--- a/docs/subgrant/PHA4GE_AMR_SubGrant_Orientation.pptx
+++ b/docs/subgrant/PHA4GE_AMR_SubGrant_Orientation.pptx
@@ -2,7 +2,7 @@
 <file path=ppt/presentation.xml><?xml version="1.0" encoding="utf-8"?>
 <p:presentation xmlns:a="http://schemas.openxmlformats.org/drawingml/2006/main" xmlns:r="http://schemas.openxmlformats.org/officeDocument/2006/relationships" xmlns:mc="http://schemas.openxmlformats.org/markup-compatibility/2006" xmlns:mv="urn:schemas-microsoft-com:mac:vml" xmlns:p="http://schemas.openxmlformats.org/presentationml/2006/main" xmlns:c="http://schemas.openxmlformats.org/drawingml/2006/chart" xmlns:dgm="http://schemas.openxmlformats.org/drawingml/2006/diagram" xmlns:o="urn:schemas-microsoft-com:office:office" xmlns:v="urn:schemas-microsoft-com:vml" xmlns:pvml="urn:schemas-microsoft-com:office:powerpoint" xmlns:com="http://schemas.openxmlformats.org/drawingml/2006/compatibility" xmlns:p14="http://schemas.microsoft.com/office/powerpoint/2010/main" xmlns:p15="http://schemas.microsoft.com/office/powerpoint/2012/main" xmlns:ahyp="http://schemas.microsoft.com/office/drawing/2018/hyperlinkcolor" autoCompressPictures="0" strictFirstAndLastChars="0" saveSubsetFonts="1">
   <p:sldMasterIdLst>
-    <p:sldMasterId id="2147483659" r:id="rId3"/>
+    <p:sldMasterId id="2147483648" r:id="rId3"/>
   </p:sldMasterIdLst>
   <p:notesMasterIdLst>
     <p:notesMasterId r:id="rId4"/>
@@ -13,6 +13,7 @@
     <p:sldId id="258" r:id="rId7"/>
     <p:sldId id="259" r:id="rId8"/>
     <p:sldId id="260" r:id="rId9"/>
+    <p:sldId id="261" r:id="rId10"/>
   </p:sldIdLst>
   <p:sldSz cy="6858000" cx="12192000"/>
   <p:notesSz cx="6858000" cy="9144000"/>
@@ -245,6 +246,11 @@
       </a:defRPr>
     </a:lvl9pPr>
   </p:defaultTextStyle>
+  <p:extLst>
+    <p:ext uri="http://customooxmlschemas.google.com/">
+      <go:slidesCustomData xmlns:go="http://customooxmlschemas.google.com/" r:id="rId11" roundtripDataSignature="AMtx7mi5Y7Tb+mbVR4dFdf+sqVl1T8UY1g=="/>
+    </p:ext>
+  </p:extLst>
 </p:presentation>
 </file>
 
@@ -828,7 +834,7 @@
       </p:grpSpPr>
       <p:sp>
         <p:nvSpPr>
-          <p:cNvPr id="92" name="Google Shape;92;p2:notes"/>
+          <p:cNvPr id="92" name="Google Shape;92;p1:notes"/>
           <p:cNvSpPr/>
           <p:nvPr>
             <p:ph idx="2" type="sldImg"/>
@@ -873,7 +879,7 @@
       </p:sp>
       <p:sp>
         <p:nvSpPr>
-          <p:cNvPr id="93" name="Google Shape;93;p2:notes"/>
+          <p:cNvPr id="93" name="Google Shape;93;p1:notes"/>
           <p:cNvSpPr txBox="1"/>
           <p:nvPr>
             <p:ph idx="1" type="body"/>
@@ -945,7 +951,7 @@
       </p:grpSpPr>
       <p:sp>
         <p:nvSpPr>
-          <p:cNvPr id="99" name="Google Shape;99;p4:notes"/>
+          <p:cNvPr id="99" name="Google Shape;99;p2:notes"/>
           <p:cNvSpPr/>
           <p:nvPr>
             <p:ph idx="2" type="sldImg"/>
@@ -990,7 +996,7 @@
       </p:sp>
       <p:sp>
         <p:nvSpPr>
-          <p:cNvPr id="100" name="Google Shape;100;p4:notes"/>
+          <p:cNvPr id="100" name="Google Shape;100;p2:notes"/>
           <p:cNvSpPr txBox="1"/>
           <p:nvPr>
             <p:ph idx="1" type="body"/>
@@ -1179,7 +1185,7 @@
       </p:grpSpPr>
       <p:sp>
         <p:nvSpPr>
-          <p:cNvPr id="115" name="Google Shape;115;gdff0f38281_0_7:notes"/>
+          <p:cNvPr id="115" name="Google Shape;115;p4:notes"/>
           <p:cNvSpPr/>
           <p:nvPr>
             <p:ph idx="2" type="sldImg"/>
@@ -1224,7 +1230,7 @@
       </p:sp>
       <p:sp>
         <p:nvSpPr>
-          <p:cNvPr id="116" name="Google Shape;116;gdff0f38281_0_7:notes"/>
+          <p:cNvPr id="116" name="Google Shape;116;p4:notes"/>
           <p:cNvSpPr txBox="1"/>
           <p:nvPr>
             <p:ph idx="1" type="body"/>
@@ -1296,7 +1302,7 @@
       </p:grpSpPr>
       <p:sp>
         <p:nvSpPr>
-          <p:cNvPr id="123" name="Google Shape;123;gdff0f38281_0_22:notes"/>
+          <p:cNvPr id="123" name="Google Shape;123;p5:notes"/>
           <p:cNvSpPr/>
           <p:nvPr>
             <p:ph idx="2" type="sldImg"/>
@@ -1341,7 +1347,7 @@
       </p:sp>
       <p:sp>
         <p:nvSpPr>
-          <p:cNvPr id="124" name="Google Shape;124;gdff0f38281_0_22:notes"/>
+          <p:cNvPr id="124" name="Google Shape;124;p5:notes"/>
           <p:cNvSpPr txBox="1"/>
           <p:nvPr>
             <p:ph idx="1" type="body"/>
@@ -1394,9 +1400,108 @@
 </p:notes>
 </file>
 
+<file path=ppt/notesSlides/notesSlide6.xml><?xml version="1.0" encoding="utf-8"?>
+<p:notes xmlns:a="http://schemas.openxmlformats.org/drawingml/2006/main" xmlns:r="http://schemas.openxmlformats.org/officeDocument/2006/relationships" xmlns:mc="http://schemas.openxmlformats.org/markup-compatibility/2006" xmlns:mv="urn:schemas-microsoft-com:mac:vml" xmlns:p="http://schemas.openxmlformats.org/presentationml/2006/main" xmlns:c="http://schemas.openxmlformats.org/drawingml/2006/chart" xmlns:dgm="http://schemas.openxmlformats.org/drawingml/2006/diagram" xmlns:o="urn:schemas-microsoft-com:office:office" xmlns:v="urn:schemas-microsoft-com:vml" xmlns:pvml="urn:schemas-microsoft-com:office:powerpoint" xmlns:com="http://schemas.openxmlformats.org/drawingml/2006/compatibility" xmlns:p14="http://schemas.microsoft.com/office/powerpoint/2010/main" xmlns:p15="http://schemas.microsoft.com/office/powerpoint/2012/main" xmlns:ahyp="http://schemas.microsoft.com/office/drawing/2018/hyperlinkcolor" showMasterPhAnim="0" showMasterSp="0">
+  <p:cSld>
+    <p:spTree>
+      <p:nvGrpSpPr>
+        <p:cNvPr id="134" name="Shape 134"/>
+        <p:cNvGrpSpPr/>
+        <p:nvPr/>
+      </p:nvGrpSpPr>
+      <p:grpSpPr>
+        <a:xfrm>
+          <a:off x="0" y="0"/>
+          <a:ext cx="0" cy="0"/>
+          <a:chOff x="0" y="0"/>
+          <a:chExt cx="0" cy="0"/>
+        </a:xfrm>
+      </p:grpSpPr>
+      <p:sp>
+        <p:nvSpPr>
+          <p:cNvPr id="135" name="Google Shape;135;gdff1e7e214_0_0:notes"/>
+          <p:cNvSpPr/>
+          <p:nvPr>
+            <p:ph idx="2" type="sldImg"/>
+          </p:nvPr>
+        </p:nvSpPr>
+        <p:spPr>
+          <a:xfrm>
+            <a:off x="1143225" y="685800"/>
+            <a:ext cx="4572300" cy="3429000"/>
+          </a:xfrm>
+          <a:custGeom>
+            <a:rect b="b" l="l" r="r" t="t"/>
+            <a:pathLst>
+              <a:path extrusionOk="0" h="120000" w="120000">
+                <a:moveTo>
+                  <a:pt x="0" y="0"/>
+                </a:moveTo>
+                <a:lnTo>
+                  <a:pt x="120000" y="0"/>
+                </a:lnTo>
+                <a:lnTo>
+                  <a:pt x="120000" y="120000"/>
+                </a:lnTo>
+                <a:lnTo>
+                  <a:pt x="0" y="120000"/>
+                </a:lnTo>
+                <a:close/>
+              </a:path>
+            </a:pathLst>
+          </a:custGeom>
+        </p:spPr>
+      </p:sp>
+      <p:sp>
+        <p:nvSpPr>
+          <p:cNvPr id="136" name="Google Shape;136;gdff1e7e214_0_0:notes"/>
+          <p:cNvSpPr txBox="1"/>
+          <p:nvPr>
+            <p:ph idx="1" type="body"/>
+          </p:nvPr>
+        </p:nvSpPr>
+        <p:spPr>
+          <a:xfrm>
+            <a:off x="685800" y="4343400"/>
+            <a:ext cx="5486400" cy="4114800"/>
+          </a:xfrm>
+          <a:prstGeom prst="rect">
+            <a:avLst/>
+          </a:prstGeom>
+        </p:spPr>
+        <p:txBody>
+          <a:bodyPr anchorCtr="0" anchor="t" bIns="91425" lIns="91425" spcFirstLastPara="1" rIns="91425" wrap="square" tIns="91425">
+            <a:noAutofit/>
+          </a:bodyPr>
+          <a:lstStyle/>
+          <a:p>
+            <a:pPr indent="0" lvl="0" marL="0" rtl="0" algn="l">
+              <a:spcBef>
+                <a:spcPts val="0"/>
+              </a:spcBef>
+              <a:spcAft>
+                <a:spcPts val="0"/>
+              </a:spcAft>
+              <a:buNone/>
+            </a:pPr>
+            <a:r>
+              <a:t/>
+            </a:r>
+            <a:endParaRPr/>
+          </a:p>
+        </p:txBody>
+      </p:sp>
+    </p:spTree>
+  </p:cSld>
+  <p:clrMapOvr>
+    <a:masterClrMapping/>
+  </p:clrMapOvr>
+</p:notes>
+</file>
+
 <file path=ppt/slideLayouts/slideLayout1.xml><?xml version="1.0" encoding="utf-8"?>
-<p:sldLayout xmlns:a="http://schemas.openxmlformats.org/drawingml/2006/main" xmlns:r="http://schemas.openxmlformats.org/officeDocument/2006/relationships" xmlns:mc="http://schemas.openxmlformats.org/markup-compatibility/2006" xmlns:mv="urn:schemas-microsoft-com:mac:vml" xmlns:p="http://schemas.openxmlformats.org/presentationml/2006/main" xmlns:c="http://schemas.openxmlformats.org/drawingml/2006/chart" xmlns:dgm="http://schemas.openxmlformats.org/drawingml/2006/diagram" xmlns:o="urn:schemas-microsoft-com:office:office" xmlns:v="urn:schemas-microsoft-com:vml" xmlns:pvml="urn:schemas-microsoft-com:office:powerpoint" xmlns:com="http://schemas.openxmlformats.org/drawingml/2006/compatibility" xmlns:p14="http://schemas.microsoft.com/office/powerpoint/2010/main" xmlns:p15="http://schemas.microsoft.com/office/powerpoint/2012/main" xmlns:ahyp="http://schemas.microsoft.com/office/drawing/2018/hyperlinkcolor" matchingName="Title Slide" type="title">
-  <p:cSld name="TITLE">
+<p:sldLayout xmlns:a="http://schemas.openxmlformats.org/drawingml/2006/main" xmlns:r="http://schemas.openxmlformats.org/officeDocument/2006/relationships" xmlns:mc="http://schemas.openxmlformats.org/markup-compatibility/2006" xmlns:mv="urn:schemas-microsoft-com:mac:vml" xmlns:p="http://schemas.openxmlformats.org/presentationml/2006/main" xmlns:c="http://schemas.openxmlformats.org/drawingml/2006/chart" xmlns:dgm="http://schemas.openxmlformats.org/drawingml/2006/diagram" xmlns:o="urn:schemas-microsoft-com:office:office" xmlns:v="urn:schemas-microsoft-com:vml" xmlns:pvml="urn:schemas-microsoft-com:office:powerpoint" xmlns:com="http://schemas.openxmlformats.org/drawingml/2006/compatibility" xmlns:p14="http://schemas.microsoft.com/office/powerpoint/2010/main" xmlns:p15="http://schemas.microsoft.com/office/powerpoint/2012/main" xmlns:ahyp="http://schemas.microsoft.com/office/drawing/2018/hyperlinkcolor" matchingName="Section Header" type="secHead">
+  <p:cSld name="SECTION_HEADER">
     <p:spTree>
       <p:nvGrpSpPr>
         <p:cNvPr id="11" name="Shape 11"/>
@@ -1413,16 +1518,16 @@
       </p:grpSpPr>
       <p:sp>
         <p:nvSpPr>
-          <p:cNvPr id="12" name="Google Shape;12;p2"/>
+          <p:cNvPr id="12" name="Google Shape;12;p7"/>
           <p:cNvSpPr txBox="1"/>
           <p:nvPr>
-            <p:ph type="ctrTitle"/>
+            <p:ph type="title"/>
           </p:nvPr>
         </p:nvSpPr>
         <p:spPr>
           <a:xfrm>
-            <a:off x="1524000" y="1122363"/>
-            <a:ext cx="9144000" cy="2387600"/>
+            <a:off x="831850" y="1709738"/>
+            <a:ext cx="10515600" cy="2852737"/>
           </a:xfrm>
           <a:prstGeom prst="rect">
             <a:avLst/>
@@ -1437,7 +1542,7 @@
             <a:normAutofit/>
           </a:bodyPr>
           <a:lstStyle>
-            <a:lvl1pPr lvl="0" algn="ctr">
+            <a:lvl1pPr lvl="0" algn="l">
               <a:lnSpc>
                 <a:spcPct val="90000"/>
               </a:lnSpc>
@@ -1573,16 +1678,16 @@
       </p:sp>
       <p:sp>
         <p:nvSpPr>
-          <p:cNvPr id="13" name="Google Shape;13;p2"/>
+          <p:cNvPr id="13" name="Google Shape;13;p7"/>
           <p:cNvSpPr txBox="1"/>
           <p:nvPr>
-            <p:ph idx="1" type="subTitle"/>
+            <p:ph idx="1" type="body"/>
           </p:nvPr>
         </p:nvSpPr>
         <p:spPr>
           <a:xfrm>
-            <a:off x="1524000" y="3602038"/>
-            <a:ext cx="9144000" cy="1655762"/>
+            <a:off x="831850" y="4589463"/>
+            <a:ext cx="10515600" cy="1500187"/>
           </a:xfrm>
           <a:prstGeom prst="rect">
             <a:avLst/>
@@ -1597,7 +1702,7 @@
             <a:normAutofit/>
           </a:bodyPr>
           <a:lstStyle>
-            <a:lvl1pPr lvl="0" algn="ctr">
+            <a:lvl1pPr indent="-228600" lvl="0" marL="457200" algn="l">
               <a:lnSpc>
                 <a:spcPct val="90000"/>
               </a:lnSpc>
@@ -1608,13 +1713,17 @@
                 <a:spcPts val="0"/>
               </a:spcAft>
               <a:buClr>
-                <a:schemeClr val="dk1"/>
+                <a:srgbClr val="888888"/>
               </a:buClr>
               <a:buSzPts val="2400"/>
               <a:buNone/>
-              <a:defRPr sz="2400"/>
+              <a:defRPr sz="2400">
+                <a:solidFill>
+                  <a:srgbClr val="888888"/>
+                </a:solidFill>
+              </a:defRPr>
             </a:lvl1pPr>
-            <a:lvl2pPr lvl="1" algn="ctr">
+            <a:lvl2pPr indent="-228600" lvl="1" marL="914400" algn="l">
               <a:lnSpc>
                 <a:spcPct val="90000"/>
               </a:lnSpc>
@@ -1625,13 +1734,17 @@
                 <a:spcPts val="0"/>
               </a:spcAft>
               <a:buClr>
-                <a:schemeClr val="dk1"/>
+                <a:srgbClr val="888888"/>
               </a:buClr>
               <a:buSzPts val="2000"/>
               <a:buNone/>
-              <a:defRPr sz="2000"/>
+              <a:defRPr sz="2000">
+                <a:solidFill>
+                  <a:srgbClr val="888888"/>
+                </a:solidFill>
+              </a:defRPr>
             </a:lvl2pPr>
-            <a:lvl3pPr lvl="2" algn="ctr">
+            <a:lvl3pPr indent="-228600" lvl="2" marL="1371600" algn="l">
               <a:lnSpc>
                 <a:spcPct val="90000"/>
               </a:lnSpc>
@@ -1642,13 +1755,17 @@
                 <a:spcPts val="0"/>
               </a:spcAft>
               <a:buClr>
-                <a:schemeClr val="dk1"/>
+                <a:srgbClr val="888888"/>
               </a:buClr>
               <a:buSzPts val="1800"/>
               <a:buNone/>
-              <a:defRPr sz="1800"/>
+              <a:defRPr sz="1800">
+                <a:solidFill>
+                  <a:srgbClr val="888888"/>
+                </a:solidFill>
+              </a:defRPr>
             </a:lvl3pPr>
-            <a:lvl4pPr lvl="3" algn="ctr">
+            <a:lvl4pPr indent="-228600" lvl="3" marL="1828800" algn="l">
               <a:lnSpc>
                 <a:spcPct val="90000"/>
               </a:lnSpc>
@@ -1659,13 +1776,17 @@
                 <a:spcPts val="0"/>
               </a:spcAft>
               <a:buClr>
-                <a:schemeClr val="dk1"/>
+                <a:srgbClr val="888888"/>
               </a:buClr>
               <a:buSzPts val="1600"/>
               <a:buNone/>
-              <a:defRPr sz="1600"/>
+              <a:defRPr sz="1600">
+                <a:solidFill>
+                  <a:srgbClr val="888888"/>
+                </a:solidFill>
+              </a:defRPr>
             </a:lvl4pPr>
-            <a:lvl5pPr lvl="4" algn="ctr">
+            <a:lvl5pPr indent="-228600" lvl="4" marL="2286000" algn="l">
               <a:lnSpc>
                 <a:spcPct val="90000"/>
               </a:lnSpc>
@@ -1676,13 +1797,17 @@
                 <a:spcPts val="0"/>
               </a:spcAft>
               <a:buClr>
-                <a:schemeClr val="dk1"/>
+                <a:srgbClr val="888888"/>
               </a:buClr>
               <a:buSzPts val="1600"/>
               <a:buNone/>
-              <a:defRPr sz="1600"/>
+              <a:defRPr sz="1600">
+                <a:solidFill>
+                  <a:srgbClr val="888888"/>
+                </a:solidFill>
+              </a:defRPr>
             </a:lvl5pPr>
-            <a:lvl6pPr lvl="5" algn="ctr">
+            <a:lvl6pPr indent="-228600" lvl="5" marL="2743200" algn="l">
               <a:lnSpc>
                 <a:spcPct val="90000"/>
               </a:lnSpc>
@@ -1693,13 +1818,17 @@
                 <a:spcPts val="0"/>
               </a:spcAft>
               <a:buClr>
-                <a:schemeClr val="dk1"/>
+                <a:srgbClr val="888888"/>
               </a:buClr>
               <a:buSzPts val="1600"/>
               <a:buNone/>
-              <a:defRPr sz="1600"/>
+              <a:defRPr sz="1600">
+                <a:solidFill>
+                  <a:srgbClr val="888888"/>
+                </a:solidFill>
+              </a:defRPr>
             </a:lvl6pPr>
-            <a:lvl7pPr lvl="6" algn="ctr">
+            <a:lvl7pPr indent="-228600" lvl="6" marL="3200400" algn="l">
               <a:lnSpc>
                 <a:spcPct val="90000"/>
               </a:lnSpc>
@@ -1710,13 +1839,17 @@
                 <a:spcPts val="0"/>
               </a:spcAft>
               <a:buClr>
-                <a:schemeClr val="dk1"/>
+                <a:srgbClr val="888888"/>
               </a:buClr>
               <a:buSzPts val="1600"/>
               <a:buNone/>
-              <a:defRPr sz="1600"/>
+              <a:defRPr sz="1600">
+                <a:solidFill>
+                  <a:srgbClr val="888888"/>
+                </a:solidFill>
+              </a:defRPr>
             </a:lvl7pPr>
-            <a:lvl8pPr lvl="7" algn="ctr">
+            <a:lvl8pPr indent="-228600" lvl="7" marL="3657600" algn="l">
               <a:lnSpc>
                 <a:spcPct val="90000"/>
               </a:lnSpc>
@@ -1727,13 +1860,17 @@
                 <a:spcPts val="0"/>
               </a:spcAft>
               <a:buClr>
-                <a:schemeClr val="dk1"/>
+                <a:srgbClr val="888888"/>
               </a:buClr>
               <a:buSzPts val="1600"/>
               <a:buNone/>
-              <a:defRPr sz="1600"/>
+              <a:defRPr sz="1600">
+                <a:solidFill>
+                  <a:srgbClr val="888888"/>
+                </a:solidFill>
+              </a:defRPr>
             </a:lvl8pPr>
-            <a:lvl9pPr lvl="8" algn="ctr">
+            <a:lvl9pPr indent="-228600" lvl="8" marL="4114800" algn="l">
               <a:lnSpc>
                 <a:spcPct val="90000"/>
               </a:lnSpc>
@@ -1744,11 +1881,15 @@
                 <a:spcPts val="0"/>
               </a:spcAft>
               <a:buClr>
-                <a:schemeClr val="dk1"/>
+                <a:srgbClr val="888888"/>
               </a:buClr>
               <a:buSzPts val="1600"/>
               <a:buNone/>
-              <a:defRPr sz="1600"/>
+              <a:defRPr sz="1600">
+                <a:solidFill>
+                  <a:srgbClr val="888888"/>
+                </a:solidFill>
+              </a:defRPr>
             </a:lvl9pPr>
           </a:lstStyle>
           <a:p/>
@@ -1756,7 +1897,7 @@
       </p:sp>
       <p:sp>
         <p:nvSpPr>
-          <p:cNvPr id="14" name="Google Shape;14;p2"/>
+          <p:cNvPr id="14" name="Google Shape;14;p7"/>
           <p:cNvSpPr txBox="1"/>
           <p:nvPr>
             <p:ph idx="10" type="dt"/>
@@ -1912,7 +2053,7 @@
       </p:sp>
       <p:sp>
         <p:nvSpPr>
-          <p:cNvPr id="15" name="Google Shape;15;p2"/>
+          <p:cNvPr id="15" name="Google Shape;15;p7"/>
           <p:cNvSpPr txBox="1"/>
           <p:nvPr>
             <p:ph idx="11" type="ftr"/>
@@ -2068,7 +2209,7 @@
       </p:sp>
       <p:sp>
         <p:nvSpPr>
-          <p:cNvPr id="16" name="Google Shape;16;p2"/>
+          <p:cNvPr id="16" name="Google Shape;16;p7"/>
           <p:cNvSpPr txBox="1"/>
           <p:nvPr>
             <p:ph idx="12" type="sldNum"/>
@@ -2347,7 +2488,7 @@
       </p:sp>
       <p:pic>
         <p:nvPicPr>
-          <p:cNvPr id="17" name="Google Shape;17;p2"/>
+          <p:cNvPr id="17" name="Google Shape;17;p7"/>
           <p:cNvPicPr preferRelativeResize="0"/>
           <p:nvPr/>
         </p:nvPicPr>
@@ -2399,7 +2540,7 @@
       </p:grpSpPr>
       <p:sp>
         <p:nvSpPr>
-          <p:cNvPr id="78" name="Google Shape;78;p11"/>
+          <p:cNvPr id="78" name="Google Shape;78;p16"/>
           <p:cNvSpPr txBox="1"/>
           <p:nvPr>
             <p:ph type="title"/>
@@ -2558,7 +2699,7 @@
       </p:sp>
       <p:sp>
         <p:nvSpPr>
-          <p:cNvPr id="79" name="Google Shape;79;p11"/>
+          <p:cNvPr id="79" name="Google Shape;79;p16"/>
           <p:cNvSpPr txBox="1"/>
           <p:nvPr>
             <p:ph idx="1" type="body"/>
@@ -2741,7 +2882,7 @@
       </p:sp>
       <p:sp>
         <p:nvSpPr>
-          <p:cNvPr id="80" name="Google Shape;80;p11"/>
+          <p:cNvPr id="80" name="Google Shape;80;p16"/>
           <p:cNvSpPr txBox="1"/>
           <p:nvPr>
             <p:ph idx="10" type="dt"/>
@@ -2897,7 +3038,7 @@
       </p:sp>
       <p:sp>
         <p:nvSpPr>
-          <p:cNvPr id="81" name="Google Shape;81;p11"/>
+          <p:cNvPr id="81" name="Google Shape;81;p16"/>
           <p:cNvSpPr txBox="1"/>
           <p:nvPr>
             <p:ph idx="11" type="ftr"/>
@@ -3053,7 +3194,7 @@
       </p:sp>
       <p:sp>
         <p:nvSpPr>
-          <p:cNvPr id="82" name="Google Shape;82;p11"/>
+          <p:cNvPr id="82" name="Google Shape;82;p16"/>
           <p:cNvSpPr txBox="1"/>
           <p:nvPr>
             <p:ph idx="12" type="sldNum"/>
@@ -3332,7 +3473,7 @@
       </p:sp>
       <p:pic>
         <p:nvPicPr>
-          <p:cNvPr id="83" name="Google Shape;83;p11"/>
+          <p:cNvPr id="83" name="Google Shape;83;p16"/>
           <p:cNvPicPr preferRelativeResize="0"/>
           <p:nvPr/>
         </p:nvPicPr>
@@ -3384,7 +3525,7 @@
       </p:grpSpPr>
       <p:sp>
         <p:nvSpPr>
-          <p:cNvPr id="85" name="Google Shape;85;p12"/>
+          <p:cNvPr id="85" name="Google Shape;85;p17"/>
           <p:cNvSpPr txBox="1"/>
           <p:nvPr>
             <p:ph type="title"/>
@@ -3543,7 +3684,7 @@
       </p:sp>
       <p:sp>
         <p:nvSpPr>
-          <p:cNvPr id="86" name="Google Shape;86;p12"/>
+          <p:cNvPr id="86" name="Google Shape;86;p17"/>
           <p:cNvSpPr txBox="1"/>
           <p:nvPr>
             <p:ph idx="1" type="body"/>
@@ -3726,7 +3867,7 @@
       </p:sp>
       <p:sp>
         <p:nvSpPr>
-          <p:cNvPr id="87" name="Google Shape;87;p12"/>
+          <p:cNvPr id="87" name="Google Shape;87;p17"/>
           <p:cNvSpPr txBox="1"/>
           <p:nvPr>
             <p:ph idx="10" type="dt"/>
@@ -3882,7 +4023,7 @@
       </p:sp>
       <p:sp>
         <p:nvSpPr>
-          <p:cNvPr id="88" name="Google Shape;88;p12"/>
+          <p:cNvPr id="88" name="Google Shape;88;p17"/>
           <p:cNvSpPr txBox="1"/>
           <p:nvPr>
             <p:ph idx="11" type="ftr"/>
@@ -4038,7 +4179,7 @@
       </p:sp>
       <p:sp>
         <p:nvSpPr>
-          <p:cNvPr id="89" name="Google Shape;89;p12"/>
+          <p:cNvPr id="89" name="Google Shape;89;p17"/>
           <p:cNvSpPr txBox="1"/>
           <p:nvPr>
             <p:ph idx="12" type="sldNum"/>
@@ -4317,7 +4458,7 @@
       </p:sp>
       <p:pic>
         <p:nvPicPr>
-          <p:cNvPr id="90" name="Google Shape;90;p12"/>
+          <p:cNvPr id="90" name="Google Shape;90;p17"/>
           <p:cNvPicPr preferRelativeResize="0"/>
           <p:nvPr/>
         </p:nvPicPr>
@@ -4351,8 +4492,8 @@
 </file>
 
 <file path=ppt/slideLayouts/slideLayout2.xml><?xml version="1.0" encoding="utf-8"?>
-<p:sldLayout xmlns:a="http://schemas.openxmlformats.org/drawingml/2006/main" xmlns:r="http://schemas.openxmlformats.org/officeDocument/2006/relationships" xmlns:mc="http://schemas.openxmlformats.org/markup-compatibility/2006" xmlns:mv="urn:schemas-microsoft-com:mac:vml" xmlns:p="http://schemas.openxmlformats.org/presentationml/2006/main" xmlns:c="http://schemas.openxmlformats.org/drawingml/2006/chart" xmlns:dgm="http://schemas.openxmlformats.org/drawingml/2006/diagram" xmlns:o="urn:schemas-microsoft-com:office:office" xmlns:v="urn:schemas-microsoft-com:vml" xmlns:pvml="urn:schemas-microsoft-com:office:powerpoint" xmlns:com="http://schemas.openxmlformats.org/drawingml/2006/compatibility" xmlns:p14="http://schemas.microsoft.com/office/powerpoint/2010/main" xmlns:p15="http://schemas.microsoft.com/office/powerpoint/2012/main" xmlns:ahyp="http://schemas.microsoft.com/office/drawing/2018/hyperlinkcolor" matchingName="Section Header" type="secHead">
-  <p:cSld name="SECTION_HEADER">
+<p:sldLayout xmlns:a="http://schemas.openxmlformats.org/drawingml/2006/main" xmlns:r="http://schemas.openxmlformats.org/officeDocument/2006/relationships" xmlns:mc="http://schemas.openxmlformats.org/markup-compatibility/2006" xmlns:mv="urn:schemas-microsoft-com:mac:vml" xmlns:p="http://schemas.openxmlformats.org/presentationml/2006/main" xmlns:c="http://schemas.openxmlformats.org/drawingml/2006/chart" xmlns:dgm="http://schemas.openxmlformats.org/drawingml/2006/diagram" xmlns:o="urn:schemas-microsoft-com:office:office" xmlns:v="urn:schemas-microsoft-com:vml" xmlns:pvml="urn:schemas-microsoft-com:office:powerpoint" xmlns:com="http://schemas.openxmlformats.org/drawingml/2006/compatibility" xmlns:p14="http://schemas.microsoft.com/office/powerpoint/2010/main" xmlns:p15="http://schemas.microsoft.com/office/powerpoint/2012/main" xmlns:ahyp="http://schemas.microsoft.com/office/drawing/2018/hyperlinkcolor" matchingName="Title and Content" type="obj">
+  <p:cSld name="OBJECT">
     <p:spTree>
       <p:nvGrpSpPr>
         <p:cNvPr id="18" name="Shape 18"/>
@@ -4369,7 +4510,7 @@
       </p:grpSpPr>
       <p:sp>
         <p:nvSpPr>
-          <p:cNvPr id="19" name="Google Shape;19;p3"/>
+          <p:cNvPr id="19" name="Google Shape;19;p8"/>
           <p:cNvSpPr txBox="1"/>
           <p:nvPr>
             <p:ph type="title"/>
@@ -4377,8 +4518,8 @@
         </p:nvSpPr>
         <p:spPr>
           <a:xfrm>
-            <a:off x="831850" y="1709738"/>
-            <a:ext cx="10515600" cy="2852737"/>
+            <a:off x="838200" y="365125"/>
+            <a:ext cx="10515600" cy="1325563"/>
           </a:xfrm>
           <a:prstGeom prst="rect">
             <a:avLst/>
@@ -4389,7 +4530,7 @@
           </a:ln>
         </p:spPr>
         <p:txBody>
-          <a:bodyPr anchorCtr="0" anchor="b" bIns="45700" lIns="91425" spcFirstLastPara="1" rIns="91425" wrap="square" tIns="45700">
+          <a:bodyPr anchorCtr="0" anchor="ctr" bIns="45700" lIns="91425" spcFirstLastPara="1" rIns="91425" wrap="square" tIns="45700">
             <a:normAutofit/>
           </a:bodyPr>
           <a:lstStyle>
@@ -4406,10 +4547,9 @@
               <a:buClr>
                 <a:schemeClr val="dk1"/>
               </a:buClr>
-              <a:buSzPts val="6000"/>
-              <a:buFont typeface="Calibri"/>
-              <a:buNone/>
-              <a:defRPr sz="6000"/>
+              <a:buSzPts val="1800"/>
+              <a:buNone/>
+              <a:defRPr/>
             </a:lvl1pPr>
             <a:lvl2pPr lvl="1" algn="l">
               <a:lnSpc>
@@ -4529,7 +4669,7 @@
       </p:sp>
       <p:sp>
         <p:nvSpPr>
-          <p:cNvPr id="20" name="Google Shape;20;p3"/>
+          <p:cNvPr id="20" name="Google Shape;20;p8"/>
           <p:cNvSpPr txBox="1"/>
           <p:nvPr>
             <p:ph idx="1" type="body"/>
@@ -4537,8 +4677,8 @@
         </p:nvSpPr>
         <p:spPr>
           <a:xfrm>
-            <a:off x="831850" y="4589463"/>
-            <a:ext cx="10515600" cy="1500187"/>
+            <a:off x="838200" y="1825625"/>
+            <a:ext cx="10515600" cy="4351338"/>
           </a:xfrm>
           <a:prstGeom prst="rect">
             <a:avLst/>
@@ -4553,7 +4693,7 @@
             <a:normAutofit/>
           </a:bodyPr>
           <a:lstStyle>
-            <a:lvl1pPr indent="-228600" lvl="0" marL="457200" algn="l">
+            <a:lvl1pPr indent="-342900" lvl="0" marL="457200" algn="l">
               <a:lnSpc>
                 <a:spcPct val="90000"/>
               </a:lnSpc>
@@ -4564,17 +4704,13 @@
                 <a:spcPts val="0"/>
               </a:spcAft>
               <a:buClr>
-                <a:srgbClr val="888888"/>
-              </a:buClr>
-              <a:buSzPts val="2400"/>
-              <a:buNone/>
-              <a:defRPr sz="2400">
-                <a:solidFill>
-                  <a:srgbClr val="888888"/>
-                </a:solidFill>
-              </a:defRPr>
+                <a:schemeClr val="dk1"/>
+              </a:buClr>
+              <a:buSzPts val="1800"/>
+              <a:buChar char="•"/>
+              <a:defRPr/>
             </a:lvl1pPr>
-            <a:lvl2pPr indent="-228600" lvl="1" marL="914400" algn="l">
+            <a:lvl2pPr indent="-342900" lvl="1" marL="914400" algn="l">
               <a:lnSpc>
                 <a:spcPct val="90000"/>
               </a:lnSpc>
@@ -4585,17 +4721,13 @@
                 <a:spcPts val="0"/>
               </a:spcAft>
               <a:buClr>
-                <a:srgbClr val="888888"/>
-              </a:buClr>
-              <a:buSzPts val="2000"/>
-              <a:buNone/>
-              <a:defRPr sz="2000">
-                <a:solidFill>
-                  <a:srgbClr val="888888"/>
-                </a:solidFill>
-              </a:defRPr>
+                <a:schemeClr val="dk1"/>
+              </a:buClr>
+              <a:buSzPts val="1800"/>
+              <a:buChar char="•"/>
+              <a:defRPr/>
             </a:lvl2pPr>
-            <a:lvl3pPr indent="-228600" lvl="2" marL="1371600" algn="l">
+            <a:lvl3pPr indent="-342900" lvl="2" marL="1371600" algn="l">
               <a:lnSpc>
                 <a:spcPct val="90000"/>
               </a:lnSpc>
@@ -4606,17 +4738,13 @@
                 <a:spcPts val="0"/>
               </a:spcAft>
               <a:buClr>
-                <a:srgbClr val="888888"/>
+                <a:schemeClr val="dk1"/>
               </a:buClr>
               <a:buSzPts val="1800"/>
-              <a:buNone/>
-              <a:defRPr sz="1800">
-                <a:solidFill>
-                  <a:srgbClr val="888888"/>
-                </a:solidFill>
-              </a:defRPr>
+              <a:buChar char="•"/>
+              <a:defRPr/>
             </a:lvl3pPr>
-            <a:lvl4pPr indent="-228600" lvl="3" marL="1828800" algn="l">
+            <a:lvl4pPr indent="-342900" lvl="3" marL="1828800" algn="l">
               <a:lnSpc>
                 <a:spcPct val="90000"/>
               </a:lnSpc>
@@ -4627,17 +4755,13 @@
                 <a:spcPts val="0"/>
               </a:spcAft>
               <a:buClr>
-                <a:srgbClr val="888888"/>
-              </a:buClr>
-              <a:buSzPts val="1600"/>
-              <a:buNone/>
-              <a:defRPr sz="1600">
-                <a:solidFill>
-                  <a:srgbClr val="888888"/>
-                </a:solidFill>
-              </a:defRPr>
+                <a:schemeClr val="dk1"/>
+              </a:buClr>
+              <a:buSzPts val="1800"/>
+              <a:buChar char="•"/>
+              <a:defRPr/>
             </a:lvl4pPr>
-            <a:lvl5pPr indent="-228600" lvl="4" marL="2286000" algn="l">
+            <a:lvl5pPr indent="-342900" lvl="4" marL="2286000" algn="l">
               <a:lnSpc>
                 <a:spcPct val="90000"/>
               </a:lnSpc>
@@ -4648,17 +4772,13 @@
                 <a:spcPts val="0"/>
               </a:spcAft>
               <a:buClr>
-                <a:srgbClr val="888888"/>
-              </a:buClr>
-              <a:buSzPts val="1600"/>
-              <a:buNone/>
-              <a:defRPr sz="1600">
-                <a:solidFill>
-                  <a:srgbClr val="888888"/>
-                </a:solidFill>
-              </a:defRPr>
+                <a:schemeClr val="dk1"/>
+              </a:buClr>
+              <a:buSzPts val="1800"/>
+              <a:buChar char="•"/>
+              <a:defRPr/>
             </a:lvl5pPr>
-            <a:lvl6pPr indent="-228600" lvl="5" marL="2743200" algn="l">
+            <a:lvl6pPr indent="-342900" lvl="5" marL="2743200" algn="l">
               <a:lnSpc>
                 <a:spcPct val="90000"/>
               </a:lnSpc>
@@ -4669,17 +4789,13 @@
                 <a:spcPts val="0"/>
               </a:spcAft>
               <a:buClr>
-                <a:srgbClr val="888888"/>
-              </a:buClr>
-              <a:buSzPts val="1600"/>
-              <a:buNone/>
-              <a:defRPr sz="1600">
-                <a:solidFill>
-                  <a:srgbClr val="888888"/>
-                </a:solidFill>
-              </a:defRPr>
+                <a:schemeClr val="dk1"/>
+              </a:buClr>
+              <a:buSzPts val="1800"/>
+              <a:buChar char="•"/>
+              <a:defRPr/>
             </a:lvl6pPr>
-            <a:lvl7pPr indent="-228600" lvl="6" marL="3200400" algn="l">
+            <a:lvl7pPr indent="-342900" lvl="6" marL="3200400" algn="l">
               <a:lnSpc>
                 <a:spcPct val="90000"/>
               </a:lnSpc>
@@ -4690,17 +4806,13 @@
                 <a:spcPts val="0"/>
               </a:spcAft>
               <a:buClr>
-                <a:srgbClr val="888888"/>
-              </a:buClr>
-              <a:buSzPts val="1600"/>
-              <a:buNone/>
-              <a:defRPr sz="1600">
-                <a:solidFill>
-                  <a:srgbClr val="888888"/>
-                </a:solidFill>
-              </a:defRPr>
+                <a:schemeClr val="dk1"/>
+              </a:buClr>
+              <a:buSzPts val="1800"/>
+              <a:buChar char="•"/>
+              <a:defRPr/>
             </a:lvl7pPr>
-            <a:lvl8pPr indent="-228600" lvl="7" marL="3657600" algn="l">
+            <a:lvl8pPr indent="-342900" lvl="7" marL="3657600" algn="l">
               <a:lnSpc>
                 <a:spcPct val="90000"/>
               </a:lnSpc>
@@ -4711,17 +4823,13 @@
                 <a:spcPts val="0"/>
               </a:spcAft>
               <a:buClr>
-                <a:srgbClr val="888888"/>
-              </a:buClr>
-              <a:buSzPts val="1600"/>
-              <a:buNone/>
-              <a:defRPr sz="1600">
-                <a:solidFill>
-                  <a:srgbClr val="888888"/>
-                </a:solidFill>
-              </a:defRPr>
+                <a:schemeClr val="dk1"/>
+              </a:buClr>
+              <a:buSzPts val="1800"/>
+              <a:buChar char="•"/>
+              <a:defRPr/>
             </a:lvl8pPr>
-            <a:lvl9pPr indent="-228600" lvl="8" marL="4114800" algn="l">
+            <a:lvl9pPr indent="-342900" lvl="8" marL="4114800" algn="l">
               <a:lnSpc>
                 <a:spcPct val="90000"/>
               </a:lnSpc>
@@ -4732,15 +4840,11 @@
                 <a:spcPts val="0"/>
               </a:spcAft>
               <a:buClr>
-                <a:srgbClr val="888888"/>
-              </a:buClr>
-              <a:buSzPts val="1600"/>
-              <a:buNone/>
-              <a:defRPr sz="1600">
-                <a:solidFill>
-                  <a:srgbClr val="888888"/>
-                </a:solidFill>
-              </a:defRPr>
+                <a:schemeClr val="dk1"/>
+              </a:buClr>
+              <a:buSzPts val="1800"/>
+              <a:buChar char="•"/>
+              <a:defRPr/>
             </a:lvl9pPr>
           </a:lstStyle>
           <a:p/>
@@ -4748,7 +4852,7 @@
       </p:sp>
       <p:sp>
         <p:nvSpPr>
-          <p:cNvPr id="21" name="Google Shape;21;p3"/>
+          <p:cNvPr id="21" name="Google Shape;21;p8"/>
           <p:cNvSpPr txBox="1"/>
           <p:nvPr>
             <p:ph idx="10" type="dt"/>
@@ -4904,7 +5008,7 @@
       </p:sp>
       <p:sp>
         <p:nvSpPr>
-          <p:cNvPr id="22" name="Google Shape;22;p3"/>
+          <p:cNvPr id="22" name="Google Shape;22;p8"/>
           <p:cNvSpPr txBox="1"/>
           <p:nvPr>
             <p:ph idx="11" type="ftr"/>
@@ -5060,7 +5164,7 @@
       </p:sp>
       <p:sp>
         <p:nvSpPr>
-          <p:cNvPr id="23" name="Google Shape;23;p3"/>
+          <p:cNvPr id="23" name="Google Shape;23;p8"/>
           <p:cNvSpPr txBox="1"/>
           <p:nvPr>
             <p:ph idx="12" type="sldNum"/>
@@ -5339,7 +5443,7 @@
       </p:sp>
       <p:pic>
         <p:nvPicPr>
-          <p:cNvPr id="24" name="Google Shape;24;p3"/>
+          <p:cNvPr id="24" name="Google Shape;24;p8"/>
           <p:cNvPicPr preferRelativeResize="0"/>
           <p:nvPr/>
         </p:nvPicPr>
@@ -5391,7 +5495,7 @@
       </p:grpSpPr>
       <p:sp>
         <p:nvSpPr>
-          <p:cNvPr id="26" name="Google Shape;26;p4"/>
+          <p:cNvPr id="26" name="Google Shape;26;p9"/>
           <p:cNvSpPr txBox="1"/>
           <p:nvPr>
             <p:ph type="title"/>
@@ -5550,7 +5654,7 @@
       </p:sp>
       <p:sp>
         <p:nvSpPr>
-          <p:cNvPr id="27" name="Google Shape;27;p4"/>
+          <p:cNvPr id="27" name="Google Shape;27;p9"/>
           <p:cNvSpPr txBox="1"/>
           <p:nvPr>
             <p:ph idx="10" type="dt"/>
@@ -5706,7 +5810,7 @@
       </p:sp>
       <p:sp>
         <p:nvSpPr>
-          <p:cNvPr id="28" name="Google Shape;28;p4"/>
+          <p:cNvPr id="28" name="Google Shape;28;p9"/>
           <p:cNvSpPr txBox="1"/>
           <p:nvPr>
             <p:ph idx="11" type="ftr"/>
@@ -5862,7 +5966,7 @@
       </p:sp>
       <p:sp>
         <p:nvSpPr>
-          <p:cNvPr id="29" name="Google Shape;29;p4"/>
+          <p:cNvPr id="29" name="Google Shape;29;p9"/>
           <p:cNvSpPr txBox="1"/>
           <p:nvPr>
             <p:ph idx="12" type="sldNum"/>
@@ -6141,7 +6245,7 @@
       </p:sp>
       <p:pic>
         <p:nvPicPr>
-          <p:cNvPr id="30" name="Google Shape;30;p4"/>
+          <p:cNvPr id="30" name="Google Shape;30;p9"/>
           <p:cNvPicPr preferRelativeResize="0"/>
           <p:nvPr/>
         </p:nvPicPr>
@@ -6175,8 +6279,8 @@
 </file>
 
 <file path=ppt/slideLayouts/slideLayout4.xml><?xml version="1.0" encoding="utf-8"?>
-<p:sldLayout xmlns:a="http://schemas.openxmlformats.org/drawingml/2006/main" xmlns:r="http://schemas.openxmlformats.org/officeDocument/2006/relationships" xmlns:mc="http://schemas.openxmlformats.org/markup-compatibility/2006" xmlns:mv="urn:schemas-microsoft-com:mac:vml" xmlns:p="http://schemas.openxmlformats.org/presentationml/2006/main" xmlns:c="http://schemas.openxmlformats.org/drawingml/2006/chart" xmlns:dgm="http://schemas.openxmlformats.org/drawingml/2006/diagram" xmlns:o="urn:schemas-microsoft-com:office:office" xmlns:v="urn:schemas-microsoft-com:vml" xmlns:pvml="urn:schemas-microsoft-com:office:powerpoint" xmlns:com="http://schemas.openxmlformats.org/drawingml/2006/compatibility" xmlns:p14="http://schemas.microsoft.com/office/powerpoint/2010/main" xmlns:p15="http://schemas.microsoft.com/office/powerpoint/2012/main" xmlns:ahyp="http://schemas.microsoft.com/office/drawing/2018/hyperlinkcolor" matchingName="Title and Content" type="obj">
-  <p:cSld name="OBJECT">
+<p:sldLayout xmlns:a="http://schemas.openxmlformats.org/drawingml/2006/main" xmlns:r="http://schemas.openxmlformats.org/officeDocument/2006/relationships" xmlns:mc="http://schemas.openxmlformats.org/markup-compatibility/2006" xmlns:mv="urn:schemas-microsoft-com:mac:vml" xmlns:p="http://schemas.openxmlformats.org/presentationml/2006/main" xmlns:c="http://schemas.openxmlformats.org/drawingml/2006/chart" xmlns:dgm="http://schemas.openxmlformats.org/drawingml/2006/diagram" xmlns:o="urn:schemas-microsoft-com:office:office" xmlns:v="urn:schemas-microsoft-com:vml" xmlns:pvml="urn:schemas-microsoft-com:office:powerpoint" xmlns:com="http://schemas.openxmlformats.org/drawingml/2006/compatibility" xmlns:p14="http://schemas.microsoft.com/office/powerpoint/2010/main" xmlns:p15="http://schemas.microsoft.com/office/powerpoint/2012/main" xmlns:ahyp="http://schemas.microsoft.com/office/drawing/2018/hyperlinkcolor" matchingName="Title Slide" type="title">
+  <p:cSld name="TITLE">
     <p:spTree>
       <p:nvGrpSpPr>
         <p:cNvPr id="31" name="Shape 31"/>
@@ -6193,16 +6297,16 @@
       </p:grpSpPr>
       <p:sp>
         <p:nvSpPr>
-          <p:cNvPr id="32" name="Google Shape;32;p5"/>
+          <p:cNvPr id="32" name="Google Shape;32;p10"/>
           <p:cNvSpPr txBox="1"/>
           <p:nvPr>
-            <p:ph type="title"/>
+            <p:ph type="ctrTitle"/>
           </p:nvPr>
         </p:nvSpPr>
         <p:spPr>
           <a:xfrm>
-            <a:off x="838200" y="365125"/>
-            <a:ext cx="10515600" cy="1325563"/>
+            <a:off x="1524000" y="1122363"/>
+            <a:ext cx="9144000" cy="2387600"/>
           </a:xfrm>
           <a:prstGeom prst="rect">
             <a:avLst/>
@@ -6213,11 +6317,11 @@
           </a:ln>
         </p:spPr>
         <p:txBody>
-          <a:bodyPr anchorCtr="0" anchor="ctr" bIns="45700" lIns="91425" spcFirstLastPara="1" rIns="91425" wrap="square" tIns="45700">
+          <a:bodyPr anchorCtr="0" anchor="b" bIns="45700" lIns="91425" spcFirstLastPara="1" rIns="91425" wrap="square" tIns="45700">
             <a:normAutofit/>
           </a:bodyPr>
           <a:lstStyle>
-            <a:lvl1pPr lvl="0" algn="l">
+            <a:lvl1pPr lvl="0" algn="ctr">
               <a:lnSpc>
                 <a:spcPct val="90000"/>
               </a:lnSpc>
@@ -6230,9 +6334,10 @@
               <a:buClr>
                 <a:schemeClr val="dk1"/>
               </a:buClr>
-              <a:buSzPts val="1800"/>
-              <a:buNone/>
-              <a:defRPr/>
+              <a:buSzPts val="6000"/>
+              <a:buFont typeface="Calibri"/>
+              <a:buNone/>
+              <a:defRPr sz="6000"/>
             </a:lvl1pPr>
             <a:lvl2pPr lvl="1" algn="l">
               <a:lnSpc>
@@ -6352,16 +6457,16 @@
       </p:sp>
       <p:sp>
         <p:nvSpPr>
-          <p:cNvPr id="33" name="Google Shape;33;p5"/>
+          <p:cNvPr id="33" name="Google Shape;33;p10"/>
           <p:cNvSpPr txBox="1"/>
           <p:nvPr>
-            <p:ph idx="1" type="body"/>
+            <p:ph idx="1" type="subTitle"/>
           </p:nvPr>
         </p:nvSpPr>
         <p:spPr>
           <a:xfrm>
-            <a:off x="838200" y="1825625"/>
-            <a:ext cx="10515600" cy="4351338"/>
+            <a:off x="1524000" y="3602038"/>
+            <a:ext cx="9144000" cy="1655762"/>
           </a:xfrm>
           <a:prstGeom prst="rect">
             <a:avLst/>
@@ -6376,7 +6481,7 @@
             <a:normAutofit/>
           </a:bodyPr>
           <a:lstStyle>
-            <a:lvl1pPr indent="-342900" lvl="0" marL="457200" algn="l">
+            <a:lvl1pPr lvl="0" algn="ctr">
               <a:lnSpc>
                 <a:spcPct val="90000"/>
               </a:lnSpc>
@@ -6389,11 +6494,45 @@
               <a:buClr>
                 <a:schemeClr val="dk1"/>
               </a:buClr>
+              <a:buSzPts val="2400"/>
+              <a:buNone/>
+              <a:defRPr sz="2400"/>
+            </a:lvl1pPr>
+            <a:lvl2pPr lvl="1" algn="ctr">
+              <a:lnSpc>
+                <a:spcPct val="90000"/>
+              </a:lnSpc>
+              <a:spcBef>
+                <a:spcPts val="500"/>
+              </a:spcBef>
+              <a:spcAft>
+                <a:spcPts val="0"/>
+              </a:spcAft>
+              <a:buClr>
+                <a:schemeClr val="dk1"/>
+              </a:buClr>
+              <a:buSzPts val="2000"/>
+              <a:buNone/>
+              <a:defRPr sz="2000"/>
+            </a:lvl2pPr>
+            <a:lvl3pPr lvl="2" algn="ctr">
+              <a:lnSpc>
+                <a:spcPct val="90000"/>
+              </a:lnSpc>
+              <a:spcBef>
+                <a:spcPts val="500"/>
+              </a:spcBef>
+              <a:spcAft>
+                <a:spcPts val="0"/>
+              </a:spcAft>
+              <a:buClr>
+                <a:schemeClr val="dk1"/>
+              </a:buClr>
               <a:buSzPts val="1800"/>
-              <a:buChar char="•"/>
-              <a:defRPr/>
-            </a:lvl1pPr>
-            <a:lvl2pPr indent="-342900" lvl="1" marL="914400" algn="l">
+              <a:buNone/>
+              <a:defRPr sz="1800"/>
+            </a:lvl3pPr>
+            <a:lvl4pPr lvl="3" algn="ctr">
               <a:lnSpc>
                 <a:spcPct val="90000"/>
               </a:lnSpc>
@@ -6406,11 +6545,11 @@
               <a:buClr>
                 <a:schemeClr val="dk1"/>
               </a:buClr>
-              <a:buSzPts val="1800"/>
-              <a:buChar char="•"/>
-              <a:defRPr/>
-            </a:lvl2pPr>
-            <a:lvl3pPr indent="-342900" lvl="2" marL="1371600" algn="l">
+              <a:buSzPts val="1600"/>
+              <a:buNone/>
+              <a:defRPr sz="1600"/>
+            </a:lvl4pPr>
+            <a:lvl5pPr lvl="4" algn="ctr">
               <a:lnSpc>
                 <a:spcPct val="90000"/>
               </a:lnSpc>
@@ -6423,11 +6562,11 @@
               <a:buClr>
                 <a:schemeClr val="dk1"/>
               </a:buClr>
-              <a:buSzPts val="1800"/>
-              <a:buChar char="•"/>
-              <a:defRPr/>
-            </a:lvl3pPr>
-            <a:lvl4pPr indent="-342900" lvl="3" marL="1828800" algn="l">
+              <a:buSzPts val="1600"/>
+              <a:buNone/>
+              <a:defRPr sz="1600"/>
+            </a:lvl5pPr>
+            <a:lvl6pPr lvl="5" algn="ctr">
               <a:lnSpc>
                 <a:spcPct val="90000"/>
               </a:lnSpc>
@@ -6440,11 +6579,11 @@
               <a:buClr>
                 <a:schemeClr val="dk1"/>
               </a:buClr>
-              <a:buSzPts val="1800"/>
-              <a:buChar char="•"/>
-              <a:defRPr/>
-            </a:lvl4pPr>
-            <a:lvl5pPr indent="-342900" lvl="4" marL="2286000" algn="l">
+              <a:buSzPts val="1600"/>
+              <a:buNone/>
+              <a:defRPr sz="1600"/>
+            </a:lvl6pPr>
+            <a:lvl7pPr lvl="6" algn="ctr">
               <a:lnSpc>
                 <a:spcPct val="90000"/>
               </a:lnSpc>
@@ -6457,11 +6596,11 @@
               <a:buClr>
                 <a:schemeClr val="dk1"/>
               </a:buClr>
-              <a:buSzPts val="1800"/>
-              <a:buChar char="•"/>
-              <a:defRPr/>
-            </a:lvl5pPr>
-            <a:lvl6pPr indent="-342900" lvl="5" marL="2743200" algn="l">
+              <a:buSzPts val="1600"/>
+              <a:buNone/>
+              <a:defRPr sz="1600"/>
+            </a:lvl7pPr>
+            <a:lvl8pPr lvl="7" algn="ctr">
               <a:lnSpc>
                 <a:spcPct val="90000"/>
               </a:lnSpc>
@@ -6474,11 +6613,11 @@
               <a:buClr>
                 <a:schemeClr val="dk1"/>
               </a:buClr>
-              <a:buSzPts val="1800"/>
-              <a:buChar char="•"/>
-              <a:defRPr/>
-            </a:lvl6pPr>
-            <a:lvl7pPr indent="-342900" lvl="6" marL="3200400" algn="l">
+              <a:buSzPts val="1600"/>
+              <a:buNone/>
+              <a:defRPr sz="1600"/>
+            </a:lvl8pPr>
+            <a:lvl9pPr lvl="8" algn="ctr">
               <a:lnSpc>
                 <a:spcPct val="90000"/>
               </a:lnSpc>
@@ -6491,43 +6630,9 @@
               <a:buClr>
                 <a:schemeClr val="dk1"/>
               </a:buClr>
-              <a:buSzPts val="1800"/>
-              <a:buChar char="•"/>
-              <a:defRPr/>
-            </a:lvl7pPr>
-            <a:lvl8pPr indent="-342900" lvl="7" marL="3657600" algn="l">
-              <a:lnSpc>
-                <a:spcPct val="90000"/>
-              </a:lnSpc>
-              <a:spcBef>
-                <a:spcPts val="500"/>
-              </a:spcBef>
-              <a:spcAft>
-                <a:spcPts val="0"/>
-              </a:spcAft>
-              <a:buClr>
-                <a:schemeClr val="dk1"/>
-              </a:buClr>
-              <a:buSzPts val="1800"/>
-              <a:buChar char="•"/>
-              <a:defRPr/>
-            </a:lvl8pPr>
-            <a:lvl9pPr indent="-342900" lvl="8" marL="4114800" algn="l">
-              <a:lnSpc>
-                <a:spcPct val="90000"/>
-              </a:lnSpc>
-              <a:spcBef>
-                <a:spcPts val="500"/>
-              </a:spcBef>
-              <a:spcAft>
-                <a:spcPts val="0"/>
-              </a:spcAft>
-              <a:buClr>
-                <a:schemeClr val="dk1"/>
-              </a:buClr>
-              <a:buSzPts val="1800"/>
-              <a:buChar char="•"/>
-              <a:defRPr/>
+              <a:buSzPts val="1600"/>
+              <a:buNone/>
+              <a:defRPr sz="1600"/>
             </a:lvl9pPr>
           </a:lstStyle>
           <a:p/>
@@ -6535,7 +6640,7 @@
       </p:sp>
       <p:sp>
         <p:nvSpPr>
-          <p:cNvPr id="34" name="Google Shape;34;p5"/>
+          <p:cNvPr id="34" name="Google Shape;34;p10"/>
           <p:cNvSpPr txBox="1"/>
           <p:nvPr>
             <p:ph idx="10" type="dt"/>
@@ -6691,7 +6796,7 @@
       </p:sp>
       <p:sp>
         <p:nvSpPr>
-          <p:cNvPr id="35" name="Google Shape;35;p5"/>
+          <p:cNvPr id="35" name="Google Shape;35;p10"/>
           <p:cNvSpPr txBox="1"/>
           <p:nvPr>
             <p:ph idx="11" type="ftr"/>
@@ -6847,7 +6952,7 @@
       </p:sp>
       <p:sp>
         <p:nvSpPr>
-          <p:cNvPr id="36" name="Google Shape;36;p5"/>
+          <p:cNvPr id="36" name="Google Shape;36;p10"/>
           <p:cNvSpPr txBox="1"/>
           <p:nvPr>
             <p:ph idx="12" type="sldNum"/>
@@ -7126,7 +7231,7 @@
       </p:sp>
       <p:pic>
         <p:nvPicPr>
-          <p:cNvPr id="37" name="Google Shape;37;p5"/>
+          <p:cNvPr id="37" name="Google Shape;37;p10"/>
           <p:cNvPicPr preferRelativeResize="0"/>
           <p:nvPr/>
         </p:nvPicPr>
@@ -7178,7 +7283,7 @@
       </p:grpSpPr>
       <p:sp>
         <p:nvSpPr>
-          <p:cNvPr id="39" name="Google Shape;39;p6"/>
+          <p:cNvPr id="39" name="Google Shape;39;p11"/>
           <p:cNvSpPr txBox="1"/>
           <p:nvPr>
             <p:ph type="title"/>
@@ -7337,7 +7442,7 @@
       </p:sp>
       <p:sp>
         <p:nvSpPr>
-          <p:cNvPr id="40" name="Google Shape;40;p6"/>
+          <p:cNvPr id="40" name="Google Shape;40;p11"/>
           <p:cNvSpPr txBox="1"/>
           <p:nvPr>
             <p:ph idx="1" type="body"/>
@@ -7520,7 +7625,7 @@
       </p:sp>
       <p:sp>
         <p:nvSpPr>
-          <p:cNvPr id="41" name="Google Shape;41;p6"/>
+          <p:cNvPr id="41" name="Google Shape;41;p11"/>
           <p:cNvSpPr txBox="1"/>
           <p:nvPr>
             <p:ph idx="2" type="body"/>
@@ -7703,7 +7808,7 @@
       </p:sp>
       <p:sp>
         <p:nvSpPr>
-          <p:cNvPr id="42" name="Google Shape;42;p6"/>
+          <p:cNvPr id="42" name="Google Shape;42;p11"/>
           <p:cNvSpPr txBox="1"/>
           <p:nvPr>
             <p:ph idx="10" type="dt"/>
@@ -7859,7 +7964,7 @@
       </p:sp>
       <p:sp>
         <p:nvSpPr>
-          <p:cNvPr id="43" name="Google Shape;43;p6"/>
+          <p:cNvPr id="43" name="Google Shape;43;p11"/>
           <p:cNvSpPr txBox="1"/>
           <p:nvPr>
             <p:ph idx="11" type="ftr"/>
@@ -8015,7 +8120,7 @@
       </p:sp>
       <p:sp>
         <p:nvSpPr>
-          <p:cNvPr id="44" name="Google Shape;44;p6"/>
+          <p:cNvPr id="44" name="Google Shape;44;p11"/>
           <p:cNvSpPr txBox="1"/>
           <p:nvPr>
             <p:ph idx="12" type="sldNum"/>
@@ -8294,7 +8399,7 @@
       </p:sp>
       <p:pic>
         <p:nvPicPr>
-          <p:cNvPr id="45" name="Google Shape;45;p6"/>
+          <p:cNvPr id="45" name="Google Shape;45;p11"/>
           <p:cNvPicPr preferRelativeResize="0"/>
           <p:nvPr/>
         </p:nvPicPr>
@@ -8346,7 +8451,7 @@
       </p:grpSpPr>
       <p:sp>
         <p:nvSpPr>
-          <p:cNvPr id="47" name="Google Shape;47;p7"/>
+          <p:cNvPr id="47" name="Google Shape;47;p12"/>
           <p:cNvSpPr txBox="1"/>
           <p:nvPr>
             <p:ph type="title"/>
@@ -8505,7 +8610,7 @@
       </p:sp>
       <p:sp>
         <p:nvSpPr>
-          <p:cNvPr id="48" name="Google Shape;48;p7"/>
+          <p:cNvPr id="48" name="Google Shape;48;p12"/>
           <p:cNvSpPr txBox="1"/>
           <p:nvPr>
             <p:ph idx="1" type="body"/>
@@ -8688,7 +8793,7 @@
       </p:sp>
       <p:sp>
         <p:nvSpPr>
-          <p:cNvPr id="49" name="Google Shape;49;p7"/>
+          <p:cNvPr id="49" name="Google Shape;49;p12"/>
           <p:cNvSpPr txBox="1"/>
           <p:nvPr>
             <p:ph idx="2" type="body"/>
@@ -8871,7 +8976,7 @@
       </p:sp>
       <p:sp>
         <p:nvSpPr>
-          <p:cNvPr id="50" name="Google Shape;50;p7"/>
+          <p:cNvPr id="50" name="Google Shape;50;p12"/>
           <p:cNvSpPr txBox="1"/>
           <p:nvPr>
             <p:ph idx="3" type="body"/>
@@ -9054,7 +9159,7 @@
       </p:sp>
       <p:sp>
         <p:nvSpPr>
-          <p:cNvPr id="51" name="Google Shape;51;p7"/>
+          <p:cNvPr id="51" name="Google Shape;51;p12"/>
           <p:cNvSpPr txBox="1"/>
           <p:nvPr>
             <p:ph idx="4" type="body"/>
@@ -9237,7 +9342,7 @@
       </p:sp>
       <p:sp>
         <p:nvSpPr>
-          <p:cNvPr id="52" name="Google Shape;52;p7"/>
+          <p:cNvPr id="52" name="Google Shape;52;p12"/>
           <p:cNvSpPr txBox="1"/>
           <p:nvPr>
             <p:ph idx="10" type="dt"/>
@@ -9393,7 +9498,7 @@
       </p:sp>
       <p:sp>
         <p:nvSpPr>
-          <p:cNvPr id="53" name="Google Shape;53;p7"/>
+          <p:cNvPr id="53" name="Google Shape;53;p12"/>
           <p:cNvSpPr txBox="1"/>
           <p:nvPr>
             <p:ph idx="11" type="ftr"/>
@@ -9549,7 +9654,7 @@
       </p:sp>
       <p:sp>
         <p:nvSpPr>
-          <p:cNvPr id="54" name="Google Shape;54;p7"/>
+          <p:cNvPr id="54" name="Google Shape;54;p12"/>
           <p:cNvSpPr txBox="1"/>
           <p:nvPr>
             <p:ph idx="12" type="sldNum"/>
@@ -9828,7 +9933,7 @@
       </p:sp>
       <p:pic>
         <p:nvPicPr>
-          <p:cNvPr id="55" name="Google Shape;55;p7"/>
+          <p:cNvPr id="55" name="Google Shape;55;p12"/>
           <p:cNvPicPr preferRelativeResize="0"/>
           <p:nvPr/>
         </p:nvPicPr>
@@ -9880,7 +9985,7 @@
       </p:grpSpPr>
       <p:sp>
         <p:nvSpPr>
-          <p:cNvPr id="57" name="Google Shape;57;p8"/>
+          <p:cNvPr id="57" name="Google Shape;57;p13"/>
           <p:cNvSpPr txBox="1"/>
           <p:nvPr>
             <p:ph idx="10" type="dt"/>
@@ -10036,7 +10141,7 @@
       </p:sp>
       <p:sp>
         <p:nvSpPr>
-          <p:cNvPr id="58" name="Google Shape;58;p8"/>
+          <p:cNvPr id="58" name="Google Shape;58;p13"/>
           <p:cNvSpPr txBox="1"/>
           <p:nvPr>
             <p:ph idx="11" type="ftr"/>
@@ -10192,7 +10297,7 @@
       </p:sp>
       <p:sp>
         <p:nvSpPr>
-          <p:cNvPr id="59" name="Google Shape;59;p8"/>
+          <p:cNvPr id="59" name="Google Shape;59;p13"/>
           <p:cNvSpPr txBox="1"/>
           <p:nvPr>
             <p:ph idx="12" type="sldNum"/>
@@ -10471,7 +10576,7 @@
       </p:sp>
       <p:pic>
         <p:nvPicPr>
-          <p:cNvPr id="60" name="Google Shape;60;p8"/>
+          <p:cNvPr id="60" name="Google Shape;60;p13"/>
           <p:cNvPicPr preferRelativeResize="0"/>
           <p:nvPr/>
         </p:nvPicPr>
@@ -10523,7 +10628,7 @@
       </p:grpSpPr>
       <p:sp>
         <p:nvSpPr>
-          <p:cNvPr id="62" name="Google Shape;62;p9"/>
+          <p:cNvPr id="62" name="Google Shape;62;p14"/>
           <p:cNvSpPr txBox="1"/>
           <p:nvPr>
             <p:ph type="title"/>
@@ -10683,7 +10788,7 @@
       </p:sp>
       <p:sp>
         <p:nvSpPr>
-          <p:cNvPr id="63" name="Google Shape;63;p9"/>
+          <p:cNvPr id="63" name="Google Shape;63;p14"/>
           <p:cNvSpPr txBox="1"/>
           <p:nvPr>
             <p:ph idx="1" type="body"/>
@@ -10866,7 +10971,7 @@
       </p:sp>
       <p:sp>
         <p:nvSpPr>
-          <p:cNvPr id="64" name="Google Shape;64;p9"/>
+          <p:cNvPr id="64" name="Google Shape;64;p14"/>
           <p:cNvSpPr txBox="1"/>
           <p:nvPr>
             <p:ph idx="2" type="body"/>
@@ -11049,7 +11154,7 @@
       </p:sp>
       <p:sp>
         <p:nvSpPr>
-          <p:cNvPr id="65" name="Google Shape;65;p9"/>
+          <p:cNvPr id="65" name="Google Shape;65;p14"/>
           <p:cNvSpPr txBox="1"/>
           <p:nvPr>
             <p:ph idx="10" type="dt"/>
@@ -11205,7 +11310,7 @@
       </p:sp>
       <p:sp>
         <p:nvSpPr>
-          <p:cNvPr id="66" name="Google Shape;66;p9"/>
+          <p:cNvPr id="66" name="Google Shape;66;p14"/>
           <p:cNvSpPr txBox="1"/>
           <p:nvPr>
             <p:ph idx="11" type="ftr"/>
@@ -11361,7 +11466,7 @@
       </p:sp>
       <p:sp>
         <p:nvSpPr>
-          <p:cNvPr id="67" name="Google Shape;67;p9"/>
+          <p:cNvPr id="67" name="Google Shape;67;p14"/>
           <p:cNvSpPr txBox="1"/>
           <p:nvPr>
             <p:ph idx="12" type="sldNum"/>
@@ -11640,7 +11745,7 @@
       </p:sp>
       <p:pic>
         <p:nvPicPr>
-          <p:cNvPr id="68" name="Google Shape;68;p9"/>
+          <p:cNvPr id="68" name="Google Shape;68;p14"/>
           <p:cNvPicPr preferRelativeResize="0"/>
           <p:nvPr/>
         </p:nvPicPr>
@@ -11692,7 +11797,7 @@
       </p:grpSpPr>
       <p:sp>
         <p:nvSpPr>
-          <p:cNvPr id="70" name="Google Shape;70;p10"/>
+          <p:cNvPr id="70" name="Google Shape;70;p15"/>
           <p:cNvSpPr txBox="1"/>
           <p:nvPr>
             <p:ph type="title"/>
@@ -11852,7 +11957,7 @@
       </p:sp>
       <p:sp>
         <p:nvSpPr>
-          <p:cNvPr id="71" name="Google Shape;71;p10"/>
+          <p:cNvPr id="71" name="Google Shape;71;p15"/>
           <p:cNvSpPr/>
           <p:nvPr>
             <p:ph idx="2" type="pic"/>
@@ -12116,7 +12221,7 @@
       </p:sp>
       <p:sp>
         <p:nvSpPr>
-          <p:cNvPr id="72" name="Google Shape;72;p10"/>
+          <p:cNvPr id="72" name="Google Shape;72;p15"/>
           <p:cNvSpPr txBox="1"/>
           <p:nvPr>
             <p:ph idx="1" type="body"/>
@@ -12299,7 +12404,7 @@
       </p:sp>
       <p:sp>
         <p:nvSpPr>
-          <p:cNvPr id="73" name="Google Shape;73;p10"/>
+          <p:cNvPr id="73" name="Google Shape;73;p15"/>
           <p:cNvSpPr txBox="1"/>
           <p:nvPr>
             <p:ph idx="10" type="dt"/>
@@ -12455,7 +12560,7 @@
       </p:sp>
       <p:sp>
         <p:nvSpPr>
-          <p:cNvPr id="74" name="Google Shape;74;p10"/>
+          <p:cNvPr id="74" name="Google Shape;74;p15"/>
           <p:cNvSpPr txBox="1"/>
           <p:nvPr>
             <p:ph idx="11" type="ftr"/>
@@ -12611,7 +12716,7 @@
       </p:sp>
       <p:sp>
         <p:nvSpPr>
-          <p:cNvPr id="75" name="Google Shape;75;p10"/>
+          <p:cNvPr id="75" name="Google Shape;75;p15"/>
           <p:cNvSpPr txBox="1"/>
           <p:nvPr>
             <p:ph idx="12" type="sldNum"/>
@@ -12890,7 +12995,7 @@
       </p:sp>
       <p:pic>
         <p:nvPicPr>
-          <p:cNvPr id="76" name="Google Shape;76;p10"/>
+          <p:cNvPr id="76" name="Google Shape;76;p15"/>
           <p:cNvPicPr preferRelativeResize="0"/>
           <p:nvPr/>
         </p:nvPicPr>
@@ -12949,7 +13054,7 @@
       </p:grpSpPr>
       <p:sp>
         <p:nvSpPr>
-          <p:cNvPr id="6" name="Google Shape;6;p1"/>
+          <p:cNvPr id="6" name="Google Shape;6;p6"/>
           <p:cNvSpPr txBox="1"/>
           <p:nvPr>
             <p:ph type="title"/>
@@ -13213,7 +13318,7 @@
       </p:sp>
       <p:sp>
         <p:nvSpPr>
-          <p:cNvPr id="7" name="Google Shape;7;p1"/>
+          <p:cNvPr id="7" name="Google Shape;7;p6"/>
           <p:cNvSpPr txBox="1"/>
           <p:nvPr>
             <p:ph idx="1" type="body"/>
@@ -13477,7 +13582,7 @@
       </p:sp>
       <p:sp>
         <p:nvSpPr>
-          <p:cNvPr id="8" name="Google Shape;8;p1"/>
+          <p:cNvPr id="8" name="Google Shape;8;p6"/>
           <p:cNvSpPr txBox="1"/>
           <p:nvPr>
             <p:ph idx="10" type="dt"/>
@@ -13741,7 +13846,7 @@
       </p:sp>
       <p:sp>
         <p:nvSpPr>
-          <p:cNvPr id="9" name="Google Shape;9;p1"/>
+          <p:cNvPr id="9" name="Google Shape;9;p6"/>
           <p:cNvSpPr txBox="1"/>
           <p:nvPr>
             <p:ph idx="11" type="ftr"/>
@@ -14005,7 +14110,7 @@
       </p:sp>
       <p:sp>
         <p:nvSpPr>
-          <p:cNvPr id="10" name="Google Shape;10;p1"/>
+          <p:cNvPr id="10" name="Google Shape;10;p6"/>
           <p:cNvSpPr txBox="1"/>
           <p:nvPr>
             <p:ph idx="12" type="sldNum"/>
@@ -14286,17 +14391,17 @@
   </p:cSld>
   <p:clrMap accent1="accent1" accent2="accent2" accent3="accent3" accent4="accent4" accent5="accent5" accent6="accent6" bg1="lt1" bg2="dk2" tx1="dk1" tx2="lt2" folHlink="folHlink" hlink="hlink"/>
   <p:sldLayoutIdLst>
-    <p:sldLayoutId id="2147483648" r:id="rId1"/>
-    <p:sldLayoutId id="2147483649" r:id="rId2"/>
-    <p:sldLayoutId id="2147483650" r:id="rId3"/>
-    <p:sldLayoutId id="2147483651" r:id="rId4"/>
-    <p:sldLayoutId id="2147483652" r:id="rId5"/>
-    <p:sldLayoutId id="2147483653" r:id="rId6"/>
-    <p:sldLayoutId id="2147483654" r:id="rId7"/>
-    <p:sldLayoutId id="2147483655" r:id="rId8"/>
-    <p:sldLayoutId id="2147483656" r:id="rId9"/>
-    <p:sldLayoutId id="2147483657" r:id="rId10"/>
-    <p:sldLayoutId id="2147483658" r:id="rId11"/>
+    <p:sldLayoutId id="2147483649" r:id="rId1"/>
+    <p:sldLayoutId id="2147483650" r:id="rId2"/>
+    <p:sldLayoutId id="2147483651" r:id="rId3"/>
+    <p:sldLayoutId id="2147483652" r:id="rId4"/>
+    <p:sldLayoutId id="2147483653" r:id="rId5"/>
+    <p:sldLayoutId id="2147483654" r:id="rId6"/>
+    <p:sldLayoutId id="2147483655" r:id="rId7"/>
+    <p:sldLayoutId id="2147483656" r:id="rId8"/>
+    <p:sldLayoutId id="2147483657" r:id="rId9"/>
+    <p:sldLayoutId id="2147483658" r:id="rId10"/>
+    <p:sldLayoutId id="2147483659" r:id="rId11"/>
   </p:sldLayoutIdLst>
   <p:hf dt="0" ftr="0" hdr="0" sldNum="0"/>
   <p:txStyles>
@@ -15010,7 +15115,7 @@
       </p:grpSpPr>
       <p:sp>
         <p:nvSpPr>
-          <p:cNvPr id="95" name="Google Shape;95;p13"/>
+          <p:cNvPr id="95" name="Google Shape;95;p1"/>
           <p:cNvSpPr txBox="1"/>
           <p:nvPr>
             <p:ph type="title"/>
@@ -15078,7 +15183,7 @@
       </p:sp>
       <p:sp>
         <p:nvSpPr>
-          <p:cNvPr id="96" name="Google Shape;96;p13"/>
+          <p:cNvPr id="96" name="Google Shape;96;p1"/>
           <p:cNvSpPr txBox="1"/>
           <p:nvPr>
             <p:ph idx="1" type="body"/>
@@ -15125,6 +15230,26 @@
           <a:p>
             <a:pPr indent="0" lvl="0" marL="0" rtl="0" algn="l">
               <a:lnSpc>
+                <a:spcPct val="115000"/>
+              </a:lnSpc>
+              <a:spcBef>
+                <a:spcPts val="1400"/>
+              </a:spcBef>
+              <a:spcAft>
+                <a:spcPts val="0"/>
+              </a:spcAft>
+              <a:buSzPts val="1100"/>
+              <a:buNone/>
+            </a:pPr>
+            <a:r>
+              <a:rPr lang="en-GB"/>
+              <a:t>Inês Mendes (Instituto de Medicina Molecular, Portugal)</a:t>
+            </a:r>
+            <a:endParaRPr/>
+          </a:p>
+          <a:p>
+            <a:pPr indent="0" lvl="0" marL="0" rtl="0" algn="l">
+              <a:lnSpc>
                 <a:spcPct val="90000"/>
               </a:lnSpc>
               <a:spcBef>
@@ -15146,17 +15271,16 @@
       </p:sp>
       <p:pic>
         <p:nvPicPr>
-          <p:cNvPr id="97" name="Google Shape;97;p13"/>
+          <p:cNvPr id="97" name="Google Shape;97;p1"/>
           <p:cNvPicPr preferRelativeResize="0"/>
           <p:nvPr/>
         </p:nvPicPr>
-        <p:blipFill>
+        <p:blipFill rotWithShape="1">
           <a:blip r:embed="rId3">
             <a:alphaModFix/>
           </a:blip>
-          <a:stretch>
-            <a:fillRect/>
-          </a:stretch>
+          <a:srcRect b="0" l="0" r="0" t="0"/>
+          <a:stretch/>
         </p:blipFill>
         <p:spPr>
           <a:xfrm>
@@ -15199,7 +15323,7 @@
       </p:grpSpPr>
       <p:sp>
         <p:nvSpPr>
-          <p:cNvPr id="102" name="Google Shape;102;p14"/>
+          <p:cNvPr id="102" name="Google Shape;102;p2"/>
           <p:cNvSpPr txBox="1"/>
           <p:nvPr>
             <p:ph type="title"/>
@@ -15247,17 +15371,16 @@
       </p:sp>
       <p:pic>
         <p:nvPicPr>
-          <p:cNvPr id="103" name="Google Shape;103;p14"/>
+          <p:cNvPr id="103" name="Google Shape;103;p2"/>
           <p:cNvPicPr preferRelativeResize="0"/>
           <p:nvPr/>
         </p:nvPicPr>
-        <p:blipFill>
+        <p:blipFill rotWithShape="1">
           <a:blip r:embed="rId3">
             <a:alphaModFix/>
           </a:blip>
-          <a:stretch>
-            <a:fillRect/>
-          </a:stretch>
+          <a:srcRect b="0" l="0" r="0" t="0"/>
+          <a:stretch/>
         </p:blipFill>
         <p:spPr>
           <a:xfrm>
@@ -15275,7 +15398,7 @@
       </p:pic>
       <p:sp>
         <p:nvSpPr>
-          <p:cNvPr id="104" name="Google Shape;104;p14"/>
+          <p:cNvPr id="104" name="Google Shape;104;p2"/>
           <p:cNvSpPr/>
           <p:nvPr/>
         </p:nvSpPr>
@@ -15306,25 +15429,41 @@
           </a:bodyPr>
           <a:lstStyle/>
           <a:p>
-            <a:pPr indent="0" lvl="0" marL="0" rtl="0" algn="l">
-              <a:spcBef>
-                <a:spcPts val="0"/>
-              </a:spcBef>
-              <a:spcAft>
-                <a:spcPts val="0"/>
-              </a:spcAft>
+            <a:pPr indent="0" lvl="0" marL="0" marR="0" rtl="0" algn="l">
+              <a:lnSpc>
+                <a:spcPct val="100000"/>
+              </a:lnSpc>
+              <a:spcBef>
+                <a:spcPts val="0"/>
+              </a:spcBef>
+              <a:spcAft>
+                <a:spcPts val="0"/>
+              </a:spcAft>
+              <a:buClr>
+                <a:srgbClr val="000000"/>
+              </a:buClr>
+              <a:buSzPts val="1400"/>
+              <a:buFont typeface="Arial"/>
               <a:buNone/>
             </a:pPr>
             <a:r>
               <a:t/>
             </a:r>
-            <a:endParaRPr/>
+            <a:endParaRPr b="0" i="0" sz="1400" u="none" cap="none" strike="noStrike">
+              <a:solidFill>
+                <a:srgbClr val="000000"/>
+              </a:solidFill>
+              <a:latin typeface="Arial"/>
+              <a:ea typeface="Arial"/>
+              <a:cs typeface="Arial"/>
+              <a:sym typeface="Arial"/>
+            </a:endParaRPr>
           </a:p>
         </p:txBody>
       </p:sp>
       <p:sp>
         <p:nvSpPr>
-          <p:cNvPr id="105" name="Google Shape;105;p14"/>
+          <p:cNvPr id="105" name="Google Shape;105;p2"/>
           <p:cNvSpPr/>
           <p:nvPr/>
         </p:nvSpPr>
@@ -15355,19 +15494,35 @@
           </a:bodyPr>
           <a:lstStyle/>
           <a:p>
-            <a:pPr indent="0" lvl="0" marL="0" rtl="0" algn="l">
-              <a:spcBef>
-                <a:spcPts val="0"/>
-              </a:spcBef>
-              <a:spcAft>
-                <a:spcPts val="0"/>
-              </a:spcAft>
+            <a:pPr indent="0" lvl="0" marL="0" marR="0" rtl="0" algn="l">
+              <a:lnSpc>
+                <a:spcPct val="100000"/>
+              </a:lnSpc>
+              <a:spcBef>
+                <a:spcPts val="0"/>
+              </a:spcBef>
+              <a:spcAft>
+                <a:spcPts val="0"/>
+              </a:spcAft>
+              <a:buClr>
+                <a:srgbClr val="000000"/>
+              </a:buClr>
+              <a:buSzPts val="1400"/>
+              <a:buFont typeface="Arial"/>
               <a:buNone/>
             </a:pPr>
             <a:r>
               <a:t/>
             </a:r>
-            <a:endParaRPr/>
+            <a:endParaRPr b="0" i="0" sz="1400" u="none" cap="none" strike="noStrike">
+              <a:solidFill>
+                <a:srgbClr val="000000"/>
+              </a:solidFill>
+              <a:latin typeface="Arial"/>
+              <a:ea typeface="Arial"/>
+              <a:cs typeface="Arial"/>
+              <a:sym typeface="Arial"/>
+            </a:endParaRPr>
           </a:p>
         </p:txBody>
       </p:sp>
@@ -15406,7 +15561,7 @@
                                       <p:cBhvr>
                                         <p:cTn dur="1" fill="hold">
                                           <p:stCondLst>
-                                            <p:cond delay="0"/>
+                                            <p:cond delay="1"/>
                                           </p:stCondLst>
                                         </p:cTn>
                                         <p:tgtEl>
@@ -15451,7 +15606,7 @@
                                       <p:cBhvr>
                                         <p:cTn dur="1" fill="hold">
                                           <p:stCondLst>
-                                            <p:cond delay="0"/>
+                                            <p:cond delay="1"/>
                                           </p:stCondLst>
                                         </p:cTn>
                                         <p:tgtEl>
@@ -15518,17 +15673,16 @@
       </p:grpSpPr>
       <p:pic>
         <p:nvPicPr>
-          <p:cNvPr id="110" name="Google Shape;110;p15"/>
+          <p:cNvPr id="110" name="Google Shape;110;p3"/>
           <p:cNvPicPr preferRelativeResize="0"/>
           <p:nvPr/>
         </p:nvPicPr>
-        <p:blipFill>
+        <p:blipFill rotWithShape="1">
           <a:blip r:embed="rId3">
             <a:alphaModFix/>
           </a:blip>
-          <a:stretch>
-            <a:fillRect/>
-          </a:stretch>
+          <a:srcRect b="0" l="0" r="0" t="0"/>
+          <a:stretch/>
         </p:blipFill>
         <p:spPr>
           <a:xfrm>
@@ -15546,7 +15700,7 @@
       </p:pic>
       <p:sp>
         <p:nvSpPr>
-          <p:cNvPr id="111" name="Google Shape;111;p15"/>
+          <p:cNvPr id="111" name="Google Shape;111;p3"/>
           <p:cNvSpPr txBox="1"/>
           <p:nvPr>
             <p:ph type="title"/>
@@ -15594,7 +15748,7 @@
       </p:sp>
       <p:sp>
         <p:nvSpPr>
-          <p:cNvPr id="112" name="Google Shape;112;p15"/>
+          <p:cNvPr id="112" name="Google Shape;112;p3"/>
           <p:cNvSpPr/>
           <p:nvPr/>
         </p:nvSpPr>
@@ -15625,25 +15779,41 @@
           </a:bodyPr>
           <a:lstStyle/>
           <a:p>
-            <a:pPr indent="0" lvl="0" marL="0" rtl="0" algn="l">
-              <a:spcBef>
-                <a:spcPts val="0"/>
-              </a:spcBef>
-              <a:spcAft>
-                <a:spcPts val="0"/>
-              </a:spcAft>
+            <a:pPr indent="0" lvl="0" marL="0" marR="0" rtl="0" algn="l">
+              <a:lnSpc>
+                <a:spcPct val="100000"/>
+              </a:lnSpc>
+              <a:spcBef>
+                <a:spcPts val="0"/>
+              </a:spcBef>
+              <a:spcAft>
+                <a:spcPts val="0"/>
+              </a:spcAft>
+              <a:buClr>
+                <a:srgbClr val="000000"/>
+              </a:buClr>
+              <a:buSzPts val="1400"/>
+              <a:buFont typeface="Arial"/>
               <a:buNone/>
             </a:pPr>
             <a:r>
               <a:t/>
             </a:r>
-            <a:endParaRPr/>
+            <a:endParaRPr b="0" i="0" sz="1400" u="none" cap="none" strike="noStrike">
+              <a:solidFill>
+                <a:srgbClr val="000000"/>
+              </a:solidFill>
+              <a:latin typeface="Arial"/>
+              <a:ea typeface="Arial"/>
+              <a:cs typeface="Arial"/>
+              <a:sym typeface="Arial"/>
+            </a:endParaRPr>
           </a:p>
         </p:txBody>
       </p:sp>
       <p:sp>
         <p:nvSpPr>
-          <p:cNvPr id="113" name="Google Shape;113;p15"/>
+          <p:cNvPr id="113" name="Google Shape;113;p3"/>
           <p:cNvSpPr/>
           <p:nvPr/>
         </p:nvSpPr>
@@ -15674,19 +15844,35 @@
           </a:bodyPr>
           <a:lstStyle/>
           <a:p>
-            <a:pPr indent="0" lvl="0" marL="0" rtl="0" algn="l">
-              <a:spcBef>
-                <a:spcPts val="0"/>
-              </a:spcBef>
-              <a:spcAft>
-                <a:spcPts val="0"/>
-              </a:spcAft>
+            <a:pPr indent="0" lvl="0" marL="0" marR="0" rtl="0" algn="l">
+              <a:lnSpc>
+                <a:spcPct val="100000"/>
+              </a:lnSpc>
+              <a:spcBef>
+                <a:spcPts val="0"/>
+              </a:spcBef>
+              <a:spcAft>
+                <a:spcPts val="0"/>
+              </a:spcAft>
+              <a:buClr>
+                <a:srgbClr val="000000"/>
+              </a:buClr>
+              <a:buSzPts val="1400"/>
+              <a:buFont typeface="Arial"/>
               <a:buNone/>
             </a:pPr>
             <a:r>
               <a:t/>
             </a:r>
-            <a:endParaRPr/>
+            <a:endParaRPr b="0" i="0" sz="1400" u="none" cap="none" strike="noStrike">
+              <a:solidFill>
+                <a:srgbClr val="000000"/>
+              </a:solidFill>
+              <a:latin typeface="Arial"/>
+              <a:ea typeface="Arial"/>
+              <a:cs typeface="Arial"/>
+              <a:sym typeface="Arial"/>
+            </a:endParaRPr>
           </a:p>
         </p:txBody>
       </p:sp>
@@ -15725,7 +15911,7 @@
                                       <p:cBhvr>
                                         <p:cTn dur="1" fill="hold">
                                           <p:stCondLst>
-                                            <p:cond delay="0"/>
+                                            <p:cond delay="1"/>
                                           </p:stCondLst>
                                         </p:cTn>
                                         <p:tgtEl>
@@ -15770,7 +15956,7 @@
                                       <p:cBhvr>
                                         <p:cTn dur="1" fill="hold">
                                           <p:stCondLst>
-                                            <p:cond delay="0"/>
+                                            <p:cond delay="1"/>
                                           </p:stCondLst>
                                         </p:cTn>
                                         <p:tgtEl>
@@ -15837,7 +16023,7 @@
       </p:grpSpPr>
       <p:sp>
         <p:nvSpPr>
-          <p:cNvPr id="118" name="Google Shape;118;p16"/>
+          <p:cNvPr id="118" name="Google Shape;118;p4"/>
           <p:cNvSpPr txBox="1"/>
           <p:nvPr>
             <p:ph type="title"/>
@@ -15885,17 +16071,16 @@
       </p:sp>
       <p:pic>
         <p:nvPicPr>
-          <p:cNvPr id="119" name="Google Shape;119;p16"/>
+          <p:cNvPr id="119" name="Google Shape;119;p4"/>
           <p:cNvPicPr preferRelativeResize="0"/>
           <p:nvPr/>
         </p:nvPicPr>
-        <p:blipFill>
+        <p:blipFill rotWithShape="1">
           <a:blip r:embed="rId3">
             <a:alphaModFix/>
           </a:blip>
-          <a:stretch>
-            <a:fillRect/>
-          </a:stretch>
+          <a:srcRect b="0" l="0" r="0" t="0"/>
+          <a:stretch/>
         </p:blipFill>
         <p:spPr>
           <a:xfrm>
@@ -15913,7 +16098,7 @@
       </p:pic>
       <p:sp>
         <p:nvSpPr>
-          <p:cNvPr id="120" name="Google Shape;120;p16"/>
+          <p:cNvPr id="120" name="Google Shape;120;p4"/>
           <p:cNvSpPr/>
           <p:nvPr/>
         </p:nvSpPr>
@@ -15944,25 +16129,41 @@
           </a:bodyPr>
           <a:lstStyle/>
           <a:p>
-            <a:pPr indent="0" lvl="0" marL="0" rtl="0" algn="l">
-              <a:spcBef>
-                <a:spcPts val="0"/>
-              </a:spcBef>
-              <a:spcAft>
-                <a:spcPts val="0"/>
-              </a:spcAft>
+            <a:pPr indent="0" lvl="0" marL="0" marR="0" rtl="0" algn="l">
+              <a:lnSpc>
+                <a:spcPct val="100000"/>
+              </a:lnSpc>
+              <a:spcBef>
+                <a:spcPts val="0"/>
+              </a:spcBef>
+              <a:spcAft>
+                <a:spcPts val="0"/>
+              </a:spcAft>
+              <a:buClr>
+                <a:srgbClr val="000000"/>
+              </a:buClr>
+              <a:buSzPts val="1400"/>
+              <a:buFont typeface="Arial"/>
               <a:buNone/>
             </a:pPr>
             <a:r>
               <a:t/>
             </a:r>
-            <a:endParaRPr/>
+            <a:endParaRPr b="0" i="0" sz="1400" u="none" cap="none" strike="noStrike">
+              <a:solidFill>
+                <a:srgbClr val="000000"/>
+              </a:solidFill>
+              <a:latin typeface="Arial"/>
+              <a:ea typeface="Arial"/>
+              <a:cs typeface="Arial"/>
+              <a:sym typeface="Arial"/>
+            </a:endParaRPr>
           </a:p>
         </p:txBody>
       </p:sp>
       <p:sp>
         <p:nvSpPr>
-          <p:cNvPr id="121" name="Google Shape;121;p16"/>
+          <p:cNvPr id="121" name="Google Shape;121;p4"/>
           <p:cNvSpPr txBox="1"/>
           <p:nvPr/>
         </p:nvSpPr>
@@ -15985,17 +16186,28 @@
           </a:bodyPr>
           <a:lstStyle/>
           <a:p>
-            <a:pPr indent="0" lvl="0" marL="0" rtl="0" algn="l">
-              <a:spcBef>
-                <a:spcPts val="0"/>
-              </a:spcBef>
-              <a:spcAft>
-                <a:spcPts val="0"/>
-              </a:spcAft>
+            <a:pPr indent="0" lvl="0" marL="0" marR="0" rtl="0" algn="l">
+              <a:lnSpc>
+                <a:spcPct val="100000"/>
+              </a:lnSpc>
+              <a:spcBef>
+                <a:spcPts val="0"/>
+              </a:spcBef>
+              <a:spcAft>
+                <a:spcPts val="0"/>
+              </a:spcAft>
+              <a:buClr>
+                <a:srgbClr val="000000"/>
+              </a:buClr>
+              <a:buSzPts val="1400"/>
+              <a:buFont typeface="Arial"/>
               <a:buNone/>
             </a:pPr>
             <a:r>
-              <a:rPr lang="en-GB">
+              <a:rPr b="0" i="0" lang="en-GB" sz="1400" u="none" cap="none" strike="noStrike">
+                <a:solidFill>
+                  <a:srgbClr val="000000"/>
+                </a:solidFill>
                 <a:latin typeface="Calibri"/>
                 <a:ea typeface="Calibri"/>
                 <a:cs typeface="Calibri"/>
@@ -16003,7 +16215,10 @@
               </a:rPr>
               <a:t>https://github.com/pha4ge/hAMRonization</a:t>
             </a:r>
-            <a:endParaRPr>
+            <a:endParaRPr b="0" i="0" sz="1400" u="none" cap="none" strike="noStrike">
+              <a:solidFill>
+                <a:srgbClr val="000000"/>
+              </a:solidFill>
               <a:latin typeface="Calibri"/>
               <a:ea typeface="Calibri"/>
               <a:cs typeface="Calibri"/>
@@ -16047,7 +16262,7 @@
                                       <p:cBhvr>
                                         <p:cTn dur="1" fill="hold">
                                           <p:stCondLst>
-                                            <p:cond delay="0"/>
+                                            <p:cond delay="1"/>
                                           </p:stCondLst>
                                         </p:cTn>
                                         <p:tgtEl>
@@ -16114,7 +16329,7 @@
       </p:grpSpPr>
       <p:sp>
         <p:nvSpPr>
-          <p:cNvPr id="126" name="Google Shape;126;p17"/>
+          <p:cNvPr id="126" name="Google Shape;126;p5"/>
           <p:cNvSpPr txBox="1"/>
           <p:nvPr>
             <p:ph type="title"/>
@@ -16162,7 +16377,7 @@
       </p:sp>
       <p:sp>
         <p:nvSpPr>
-          <p:cNvPr id="127" name="Google Shape;127;p17"/>
+          <p:cNvPr id="127" name="Google Shape;127;p5"/>
           <p:cNvSpPr txBox="1"/>
           <p:nvPr/>
         </p:nvSpPr>
@@ -16187,17 +16402,25 @@
           </a:bodyPr>
           <a:lstStyle/>
           <a:p>
-            <a:pPr indent="0" lvl="0" marL="0" rtl="0" algn="l">
-              <a:spcBef>
-                <a:spcPts val="0"/>
-              </a:spcBef>
-              <a:spcAft>
-                <a:spcPts val="0"/>
-              </a:spcAft>
+            <a:pPr indent="0" lvl="0" marL="0" marR="0" rtl="0" algn="l">
+              <a:lnSpc>
+                <a:spcPct val="100000"/>
+              </a:lnSpc>
+              <a:spcBef>
+                <a:spcPts val="0"/>
+              </a:spcBef>
+              <a:spcAft>
+                <a:spcPts val="0"/>
+              </a:spcAft>
+              <a:buClr>
+                <a:srgbClr val="000000"/>
+              </a:buClr>
+              <a:buSzPts val="1000"/>
+              <a:buFont typeface="Arial"/>
               <a:buNone/>
             </a:pPr>
             <a:r>
-              <a:rPr lang="en-GB" sz="1000">
+              <a:rPr b="0" i="0" lang="en-GB" sz="1000" u="none" cap="none" strike="noStrike">
                 <a:solidFill>
                   <a:srgbClr val="FFFFFF"/>
                 </a:solidFill>
@@ -16208,7 +16431,7 @@
               </a:rPr>
               <a:t>&gt; hamronize abricate &lt;report&gt; --reference_database_version &lt;version&gt; \  --analysis_software_version &lt;version&gt; --format json</a:t>
             </a:r>
-            <a:endParaRPr sz="1000">
+            <a:endParaRPr b="0" i="0" sz="1000" u="none" cap="none" strike="noStrike">
               <a:solidFill>
                 <a:srgbClr val="FFFFFF"/>
               </a:solidFill>
@@ -16219,19 +16442,27 @@
             </a:endParaRPr>
           </a:p>
           <a:p>
-            <a:pPr indent="0" lvl="0" marL="0" rtl="0" algn="l">
-              <a:spcBef>
-                <a:spcPts val="0"/>
-              </a:spcBef>
-              <a:spcAft>
-                <a:spcPts val="0"/>
-              </a:spcAft>
+            <a:pPr indent="0" lvl="0" marL="0" marR="0" rtl="0" algn="l">
+              <a:lnSpc>
+                <a:spcPct val="100000"/>
+              </a:lnSpc>
+              <a:spcBef>
+                <a:spcPts val="0"/>
+              </a:spcBef>
+              <a:spcAft>
+                <a:spcPts val="0"/>
+              </a:spcAft>
+              <a:buClr>
+                <a:srgbClr val="000000"/>
+              </a:buClr>
+              <a:buSzPts val="1000"/>
+              <a:buFont typeface="Arial"/>
               <a:buNone/>
             </a:pPr>
             <a:r>
               <a:t/>
             </a:r>
-            <a:endParaRPr sz="1000">
+            <a:endParaRPr b="0" i="0" sz="1000" u="none" cap="none" strike="noStrike">
               <a:solidFill>
                 <a:srgbClr val="FFFFFF"/>
               </a:solidFill>
@@ -16252,10 +16483,15 @@
               <a:spcAft>
                 <a:spcPts val="1200"/>
               </a:spcAft>
+              <a:buClr>
+                <a:srgbClr val="000000"/>
+              </a:buClr>
+              <a:buSzPts val="1000"/>
+              <a:buFont typeface="Arial"/>
               <a:buNone/>
             </a:pPr>
             <a:r>
-              <a:rPr lang="en-GB" sz="1000">
+              <a:rPr b="0" i="0" lang="en-GB" sz="1000" u="none" cap="none" strike="noStrike">
                 <a:solidFill>
                   <a:srgbClr val="FFFFFF"/>
                 </a:solidFill>
@@ -16266,13 +16502,21 @@
               </a:rPr>
               <a:t>Applies hAMRonization specification to output from abricate (OUTPUT.tsv)</a:t>
             </a:r>
-            <a:endParaRPr/>
+            <a:endParaRPr b="0" i="0" sz="1400" u="none" cap="none" strike="noStrike">
+              <a:solidFill>
+                <a:srgbClr val="000000"/>
+              </a:solidFill>
+              <a:latin typeface="Arial"/>
+              <a:ea typeface="Arial"/>
+              <a:cs typeface="Arial"/>
+              <a:sym typeface="Arial"/>
+            </a:endParaRPr>
           </a:p>
         </p:txBody>
       </p:sp>
       <p:sp>
         <p:nvSpPr>
-          <p:cNvPr id="128" name="Google Shape;128;p17"/>
+          <p:cNvPr id="128" name="Google Shape;128;p5"/>
           <p:cNvSpPr txBox="1"/>
           <p:nvPr/>
         </p:nvSpPr>
@@ -16297,17 +16541,25 @@
           </a:bodyPr>
           <a:lstStyle/>
           <a:p>
-            <a:pPr indent="0" lvl="0" marL="0" rtl="0" algn="l">
-              <a:spcBef>
-                <a:spcPts val="0"/>
-              </a:spcBef>
-              <a:spcAft>
-                <a:spcPts val="0"/>
-              </a:spcAft>
+            <a:pPr indent="0" lvl="0" marL="0" marR="0" rtl="0" algn="l">
+              <a:lnSpc>
+                <a:spcPct val="100000"/>
+              </a:lnSpc>
+              <a:spcBef>
+                <a:spcPts val="0"/>
+              </a:spcBef>
+              <a:spcAft>
+                <a:spcPts val="0"/>
+              </a:spcAft>
+              <a:buClr>
+                <a:srgbClr val="000000"/>
+              </a:buClr>
+              <a:buSzPts val="1000"/>
+              <a:buFont typeface="Arial"/>
               <a:buNone/>
             </a:pPr>
             <a:r>
-              <a:rPr lang="en-GB" sz="1000">
+              <a:rPr b="0" i="0" lang="en-GB" sz="1000" u="none" cap="none" strike="noStrike">
                 <a:solidFill>
                   <a:srgbClr val="FFFFFF"/>
                 </a:solidFill>
@@ -16318,13 +16570,21 @@
               </a:rPr>
               <a:t>&gt; hamronize summarize --summary_type interactive &lt;list of reports&gt;</a:t>
             </a:r>
-            <a:endParaRPr/>
+            <a:endParaRPr b="0" i="0" sz="1400" u="none" cap="none" strike="noStrike">
+              <a:solidFill>
+                <a:srgbClr val="000000"/>
+              </a:solidFill>
+              <a:latin typeface="Arial"/>
+              <a:ea typeface="Arial"/>
+              <a:cs typeface="Arial"/>
+              <a:sym typeface="Arial"/>
+            </a:endParaRPr>
           </a:p>
         </p:txBody>
       </p:sp>
       <p:sp>
         <p:nvSpPr>
-          <p:cNvPr id="129" name="Google Shape;129;p17"/>
+          <p:cNvPr id="129" name="Google Shape;129;p5"/>
           <p:cNvSpPr txBox="1"/>
           <p:nvPr/>
         </p:nvSpPr>
@@ -16347,17 +16607,28 @@
           </a:bodyPr>
           <a:lstStyle/>
           <a:p>
-            <a:pPr indent="0" lvl="0" marL="0" rtl="0" algn="just">
-              <a:spcBef>
-                <a:spcPts val="0"/>
-              </a:spcBef>
-              <a:spcAft>
-                <a:spcPts val="0"/>
-              </a:spcAft>
+            <a:pPr indent="0" lvl="0" marL="0" marR="0" rtl="0" algn="just">
+              <a:lnSpc>
+                <a:spcPct val="100000"/>
+              </a:lnSpc>
+              <a:spcBef>
+                <a:spcPts val="0"/>
+              </a:spcBef>
+              <a:spcAft>
+                <a:spcPts val="0"/>
+              </a:spcAft>
+              <a:buClr>
+                <a:srgbClr val="000000"/>
+              </a:buClr>
+              <a:buSzPts val="1600"/>
+              <a:buFont typeface="Arial"/>
               <a:buNone/>
             </a:pPr>
             <a:r>
-              <a:rPr lang="en-GB" sz="1600">
+              <a:rPr b="0" i="0" lang="en-GB" sz="1600" u="none" cap="none" strike="noStrike">
+                <a:solidFill>
+                  <a:srgbClr val="000000"/>
+                </a:solidFill>
                 <a:latin typeface="Calibri"/>
                 <a:ea typeface="Calibri"/>
                 <a:cs typeface="Calibri"/>
@@ -16365,13 +16636,21 @@
               </a:rPr>
               <a:t>hAMRonizing abricate results::</a:t>
             </a:r>
-            <a:endParaRPr/>
+            <a:endParaRPr b="0" i="0" sz="1400" u="none" cap="none" strike="noStrike">
+              <a:solidFill>
+                <a:srgbClr val="000000"/>
+              </a:solidFill>
+              <a:latin typeface="Arial"/>
+              <a:ea typeface="Arial"/>
+              <a:cs typeface="Arial"/>
+              <a:sym typeface="Arial"/>
+            </a:endParaRPr>
           </a:p>
         </p:txBody>
       </p:sp>
       <p:sp>
         <p:nvSpPr>
-          <p:cNvPr id="130" name="Google Shape;130;p17"/>
+          <p:cNvPr id="130" name="Google Shape;130;p5"/>
           <p:cNvSpPr txBox="1"/>
           <p:nvPr/>
         </p:nvSpPr>
@@ -16394,17 +16673,28 @@
           </a:bodyPr>
           <a:lstStyle/>
           <a:p>
-            <a:pPr indent="0" lvl="0" marL="0" rtl="0" algn="just">
-              <a:spcBef>
-                <a:spcPts val="0"/>
-              </a:spcBef>
-              <a:spcAft>
-                <a:spcPts val="0"/>
-              </a:spcAft>
+            <a:pPr indent="0" lvl="0" marL="0" marR="0" rtl="0" algn="just">
+              <a:lnSpc>
+                <a:spcPct val="100000"/>
+              </a:lnSpc>
+              <a:spcBef>
+                <a:spcPts val="0"/>
+              </a:spcBef>
+              <a:spcAft>
+                <a:spcPts val="0"/>
+              </a:spcAft>
+              <a:buClr>
+                <a:srgbClr val="000000"/>
+              </a:buClr>
+              <a:buSzPts val="1600"/>
+              <a:buFont typeface="Arial"/>
               <a:buNone/>
             </a:pPr>
             <a:r>
-              <a:rPr lang="en-GB" sz="1600">
+              <a:rPr b="0" i="0" lang="en-GB" sz="1600" u="none" cap="none" strike="noStrike">
+                <a:solidFill>
+                  <a:srgbClr val="000000"/>
+                </a:solidFill>
                 <a:latin typeface="Calibri"/>
                 <a:ea typeface="Calibri"/>
                 <a:cs typeface="Calibri"/>
@@ -16412,13 +16702,21 @@
               </a:rPr>
               <a:t>Generating a comparison report:</a:t>
             </a:r>
-            <a:endParaRPr/>
+            <a:endParaRPr b="0" i="0" sz="1400" u="none" cap="none" strike="noStrike">
+              <a:solidFill>
+                <a:srgbClr val="000000"/>
+              </a:solidFill>
+              <a:latin typeface="Arial"/>
+              <a:ea typeface="Arial"/>
+              <a:cs typeface="Arial"/>
+              <a:sym typeface="Arial"/>
+            </a:endParaRPr>
           </a:p>
         </p:txBody>
       </p:sp>
       <p:sp>
         <p:nvSpPr>
-          <p:cNvPr id="131" name="Google Shape;131;p17"/>
+          <p:cNvPr id="131" name="Google Shape;131;p5"/>
           <p:cNvSpPr txBox="1"/>
           <p:nvPr/>
         </p:nvSpPr>
@@ -16441,17 +16739,28 @@
           </a:bodyPr>
           <a:lstStyle/>
           <a:p>
-            <a:pPr indent="0" lvl="0" marL="0" rtl="0" algn="just">
-              <a:spcBef>
-                <a:spcPts val="0"/>
-              </a:spcBef>
-              <a:spcAft>
-                <a:spcPts val="0"/>
-              </a:spcAft>
+            <a:pPr indent="0" lvl="0" marL="0" marR="0" rtl="0" algn="just">
+              <a:lnSpc>
+                <a:spcPct val="100000"/>
+              </a:lnSpc>
+              <a:spcBef>
+                <a:spcPts val="0"/>
+              </a:spcBef>
+              <a:spcAft>
+                <a:spcPts val="0"/>
+              </a:spcAft>
+              <a:buClr>
+                <a:srgbClr val="000000"/>
+              </a:buClr>
+              <a:buSzPts val="1600"/>
+              <a:buFont typeface="Arial"/>
               <a:buNone/>
             </a:pPr>
             <a:r>
-              <a:rPr b="1" lang="en-GB" sz="1600">
+              <a:rPr b="1" i="0" lang="en-GB" sz="1600" u="none" cap="none" strike="noStrike">
+                <a:solidFill>
+                  <a:srgbClr val="000000"/>
+                </a:solidFill>
                 <a:latin typeface="Calibri"/>
                 <a:ea typeface="Calibri"/>
                 <a:cs typeface="Calibri"/>
@@ -16459,7 +16768,10 @@
               </a:rPr>
               <a:t>Summary output formats:</a:t>
             </a:r>
-            <a:endParaRPr b="1" sz="1600">
+            <a:endParaRPr b="1" i="0" sz="1600" u="none" cap="none" strike="noStrike">
+              <a:solidFill>
+                <a:srgbClr val="000000"/>
+              </a:solidFill>
               <a:latin typeface="Calibri"/>
               <a:ea typeface="Calibri"/>
               <a:cs typeface="Calibri"/>
@@ -16467,19 +16779,28 @@
             </a:endParaRPr>
           </a:p>
           <a:p>
-            <a:pPr indent="-330200" lvl="0" marL="457200" rtl="0" algn="just">
-              <a:spcBef>
-                <a:spcPts val="0"/>
-              </a:spcBef>
-              <a:spcAft>
-                <a:spcPts val="0"/>
-              </a:spcAft>
+            <a:pPr indent="-330200" lvl="0" marL="457200" marR="0" rtl="0" algn="just">
+              <a:lnSpc>
+                <a:spcPct val="100000"/>
+              </a:lnSpc>
+              <a:spcBef>
+                <a:spcPts val="0"/>
+              </a:spcBef>
+              <a:spcAft>
+                <a:spcPts val="0"/>
+              </a:spcAft>
+              <a:buClr>
+                <a:srgbClr val="000000"/>
+              </a:buClr>
               <a:buSzPts val="1600"/>
               <a:buFont typeface="Calibri"/>
               <a:buChar char="●"/>
             </a:pPr>
             <a:r>
-              <a:rPr lang="en-GB" sz="1600">
+              <a:rPr b="0" i="0" lang="en-GB" sz="1600" u="none" cap="none" strike="noStrike">
+                <a:solidFill>
+                  <a:srgbClr val="000000"/>
+                </a:solidFill>
                 <a:latin typeface="Calibri"/>
                 <a:ea typeface="Calibri"/>
                 <a:cs typeface="Calibri"/>
@@ -16487,7 +16808,10 @@
               </a:rPr>
               <a:t>TSV</a:t>
             </a:r>
-            <a:endParaRPr sz="1600">
+            <a:endParaRPr b="0" i="0" sz="1600" u="none" cap="none" strike="noStrike">
+              <a:solidFill>
+                <a:srgbClr val="000000"/>
+              </a:solidFill>
               <a:latin typeface="Calibri"/>
               <a:ea typeface="Calibri"/>
               <a:cs typeface="Calibri"/>
@@ -16495,19 +16819,28 @@
             </a:endParaRPr>
           </a:p>
           <a:p>
-            <a:pPr indent="-330200" lvl="0" marL="457200" rtl="0" algn="just">
-              <a:spcBef>
-                <a:spcPts val="0"/>
-              </a:spcBef>
-              <a:spcAft>
-                <a:spcPts val="0"/>
-              </a:spcAft>
+            <a:pPr indent="-330200" lvl="0" marL="457200" marR="0" rtl="0" algn="just">
+              <a:lnSpc>
+                <a:spcPct val="100000"/>
+              </a:lnSpc>
+              <a:spcBef>
+                <a:spcPts val="0"/>
+              </a:spcBef>
+              <a:spcAft>
+                <a:spcPts val="0"/>
+              </a:spcAft>
+              <a:buClr>
+                <a:srgbClr val="000000"/>
+              </a:buClr>
               <a:buSzPts val="1600"/>
               <a:buFont typeface="Calibri"/>
               <a:buChar char="●"/>
             </a:pPr>
             <a:r>
-              <a:rPr lang="en-GB" sz="1600">
+              <a:rPr b="0" i="0" lang="en-GB" sz="1600" u="none" cap="none" strike="noStrike">
+                <a:solidFill>
+                  <a:srgbClr val="000000"/>
+                </a:solidFill>
                 <a:latin typeface="Calibri"/>
                 <a:ea typeface="Calibri"/>
                 <a:cs typeface="Calibri"/>
@@ -16515,7 +16848,10 @@
               </a:rPr>
               <a:t>Json</a:t>
             </a:r>
-            <a:endParaRPr sz="1600">
+            <a:endParaRPr b="0" i="0" sz="1600" u="none" cap="none" strike="noStrike">
+              <a:solidFill>
+                <a:srgbClr val="000000"/>
+              </a:solidFill>
               <a:latin typeface="Calibri"/>
               <a:ea typeface="Calibri"/>
               <a:cs typeface="Calibri"/>
@@ -16523,19 +16859,28 @@
             </a:endParaRPr>
           </a:p>
           <a:p>
-            <a:pPr indent="-330200" lvl="0" marL="457200" rtl="0" algn="just">
-              <a:spcBef>
-                <a:spcPts val="0"/>
-              </a:spcBef>
-              <a:spcAft>
-                <a:spcPts val="0"/>
-              </a:spcAft>
+            <a:pPr indent="-330200" lvl="0" marL="457200" marR="0" rtl="0" algn="just">
+              <a:lnSpc>
+                <a:spcPct val="100000"/>
+              </a:lnSpc>
+              <a:spcBef>
+                <a:spcPts val="0"/>
+              </a:spcBef>
+              <a:spcAft>
+                <a:spcPts val="0"/>
+              </a:spcAft>
+              <a:buClr>
+                <a:srgbClr val="000000"/>
+              </a:buClr>
               <a:buSzPts val="1600"/>
               <a:buFont typeface="Calibri"/>
               <a:buChar char="●"/>
             </a:pPr>
             <a:r>
-              <a:rPr lang="en-GB" sz="1600">
+              <a:rPr b="0" i="0" lang="en-GB" sz="1600" u="none" cap="none" strike="noStrike">
+                <a:solidFill>
+                  <a:srgbClr val="000000"/>
+                </a:solidFill>
                 <a:latin typeface="Calibri"/>
                 <a:ea typeface="Calibri"/>
                 <a:cs typeface="Calibri"/>
@@ -16543,7 +16888,10 @@
               </a:rPr>
               <a:t>Interactive HTML</a:t>
             </a:r>
-            <a:endParaRPr sz="1600">
+            <a:endParaRPr b="0" i="0" sz="1600" u="none" cap="none" strike="noStrike">
+              <a:solidFill>
+                <a:srgbClr val="000000"/>
+              </a:solidFill>
               <a:latin typeface="Calibri"/>
               <a:ea typeface="Calibri"/>
               <a:cs typeface="Calibri"/>
@@ -16554,17 +16902,16 @@
       </p:sp>
       <p:pic>
         <p:nvPicPr>
-          <p:cNvPr id="132" name="Google Shape;132;p17"/>
+          <p:cNvPr id="132" name="Google Shape;132;p5"/>
           <p:cNvPicPr preferRelativeResize="0"/>
           <p:nvPr/>
         </p:nvPicPr>
-        <p:blipFill>
+        <p:blipFill rotWithShape="1">
           <a:blip r:embed="rId3">
             <a:alphaModFix/>
           </a:blip>
-          <a:stretch>
-            <a:fillRect/>
-          </a:stretch>
+          <a:srcRect b="0" l="0" r="0" t="0"/>
+          <a:stretch/>
         </p:blipFill>
         <p:spPr>
           <a:xfrm>
@@ -16580,6 +16927,72 @@
           </a:ln>
         </p:spPr>
       </p:pic>
+      <p:sp>
+        <p:nvSpPr>
+          <p:cNvPr id="133" name="Google Shape;133;p5"/>
+          <p:cNvSpPr txBox="1"/>
+          <p:nvPr/>
+        </p:nvSpPr>
+        <p:spPr>
+          <a:xfrm>
+            <a:off x="838200" y="6133400"/>
+            <a:ext cx="3833400" cy="400200"/>
+          </a:xfrm>
+          <a:prstGeom prst="rect">
+            <a:avLst/>
+          </a:prstGeom>
+          <a:noFill/>
+          <a:ln>
+            <a:noFill/>
+          </a:ln>
+        </p:spPr>
+        <p:txBody>
+          <a:bodyPr anchorCtr="0" anchor="t" bIns="91425" lIns="91425" spcFirstLastPara="1" rIns="91425" wrap="square" tIns="91425">
+            <a:spAutoFit/>
+          </a:bodyPr>
+          <a:lstStyle/>
+          <a:p>
+            <a:pPr indent="0" lvl="0" marL="0" marR="0" rtl="0" algn="l">
+              <a:lnSpc>
+                <a:spcPct val="100000"/>
+              </a:lnSpc>
+              <a:spcBef>
+                <a:spcPts val="0"/>
+              </a:spcBef>
+              <a:spcAft>
+                <a:spcPts val="0"/>
+              </a:spcAft>
+              <a:buClr>
+                <a:srgbClr val="000000"/>
+              </a:buClr>
+              <a:buSzPts val="1400"/>
+              <a:buFont typeface="Arial"/>
+              <a:buNone/>
+            </a:pPr>
+            <a:r>
+              <a:rPr b="0" i="0" lang="en-GB" sz="1400" u="none" cap="none" strike="noStrike">
+                <a:solidFill>
+                  <a:srgbClr val="000000"/>
+                </a:solidFill>
+                <a:latin typeface="Calibri"/>
+                <a:ea typeface="Calibri"/>
+                <a:cs typeface="Calibri"/>
+                <a:sym typeface="Calibri"/>
+              </a:rPr>
+              <a:t>https://github.com/pha4ge/hAMRonization</a:t>
+            </a:r>
+            <a:endParaRPr b="0" i="0" sz="1400" u="none" cap="none" strike="noStrike">
+              <a:solidFill>
+                <a:srgbClr val="000000"/>
+              </a:solidFill>
+              <a:latin typeface="Calibri"/>
+              <a:ea typeface="Calibri"/>
+              <a:cs typeface="Calibri"/>
+              <a:sym typeface="Calibri"/>
+            </a:endParaRPr>
+          </a:p>
+        </p:txBody>
+      </p:sp>
     </p:spTree>
   </p:cSld>
   <p:clrMapOvr>
@@ -16660,6 +17073,271 @@
       </p:par>
     </p:tnLst>
   </p:timing>
+</p:sld>
+</file>
+
+<file path=ppt/slides/slide6.xml><?xml version="1.0" encoding="utf-8"?>
+<p:sld xmlns:a="http://schemas.openxmlformats.org/drawingml/2006/main" xmlns:r="http://schemas.openxmlformats.org/officeDocument/2006/relationships" xmlns:mc="http://schemas.openxmlformats.org/markup-compatibility/2006" xmlns:mv="urn:schemas-microsoft-com:mac:vml" xmlns:p="http://schemas.openxmlformats.org/presentationml/2006/main" xmlns:c="http://schemas.openxmlformats.org/drawingml/2006/chart" xmlns:dgm="http://schemas.openxmlformats.org/drawingml/2006/diagram" xmlns:o="urn:schemas-microsoft-com:office:office" xmlns:v="urn:schemas-microsoft-com:vml" xmlns:pvml="urn:schemas-microsoft-com:office:powerpoint" xmlns:com="http://schemas.openxmlformats.org/drawingml/2006/compatibility" xmlns:p14="http://schemas.microsoft.com/office/powerpoint/2010/main" xmlns:p15="http://schemas.microsoft.com/office/powerpoint/2012/main" xmlns:ahyp="http://schemas.microsoft.com/office/drawing/2018/hyperlinkcolor">
+  <p:cSld>
+    <p:spTree>
+      <p:nvGrpSpPr>
+        <p:cNvPr id="137" name="Shape 137"/>
+        <p:cNvGrpSpPr/>
+        <p:nvPr/>
+      </p:nvGrpSpPr>
+      <p:grpSpPr>
+        <a:xfrm>
+          <a:off x="0" y="0"/>
+          <a:ext cx="0" cy="0"/>
+          <a:chOff x="0" y="0"/>
+          <a:chExt cx="0" cy="0"/>
+        </a:xfrm>
+      </p:grpSpPr>
+      <p:sp>
+        <p:nvSpPr>
+          <p:cNvPr id="138" name="Google Shape;138;gdff1e7e214_0_0"/>
+          <p:cNvSpPr txBox="1"/>
+          <p:nvPr>
+            <p:ph type="title"/>
+          </p:nvPr>
+        </p:nvSpPr>
+        <p:spPr>
+          <a:xfrm>
+            <a:off x="838200" y="365125"/>
+            <a:ext cx="10515600" cy="1325700"/>
+          </a:xfrm>
+          <a:prstGeom prst="rect">
+            <a:avLst/>
+          </a:prstGeom>
+        </p:spPr>
+        <p:txBody>
+          <a:bodyPr anchorCtr="0" anchor="ctr" bIns="45700" lIns="91425" spcFirstLastPara="1" rIns="91425" wrap="square" tIns="45700">
+            <a:normAutofit/>
+          </a:bodyPr>
+          <a:lstStyle/>
+          <a:p>
+            <a:pPr indent="0" lvl="0" marL="0" rtl="0" algn="l">
+              <a:spcBef>
+                <a:spcPts val="0"/>
+              </a:spcBef>
+              <a:spcAft>
+                <a:spcPts val="0"/>
+              </a:spcAft>
+              <a:buNone/>
+            </a:pPr>
+            <a:r>
+              <a:rPr lang="en-GB"/>
+              <a:t>Detailed Materials</a:t>
+            </a:r>
+            <a:endParaRPr/>
+          </a:p>
+        </p:txBody>
+      </p:sp>
+      <p:sp>
+        <p:nvSpPr>
+          <p:cNvPr id="139" name="Google Shape;139;gdff1e7e214_0_0"/>
+          <p:cNvSpPr txBox="1"/>
+          <p:nvPr>
+            <p:ph idx="1" type="body"/>
+          </p:nvPr>
+        </p:nvSpPr>
+        <p:spPr>
+          <a:xfrm>
+            <a:off x="838200" y="1487150"/>
+            <a:ext cx="10515600" cy="4351200"/>
+          </a:xfrm>
+          <a:prstGeom prst="rect">
+            <a:avLst/>
+          </a:prstGeom>
+        </p:spPr>
+        <p:txBody>
+          <a:bodyPr anchorCtr="0" anchor="t" bIns="45700" lIns="91425" spcFirstLastPara="1" rIns="91425" wrap="square" tIns="45700">
+            <a:normAutofit/>
+          </a:bodyPr>
+          <a:lstStyle/>
+          <a:p>
+            <a:pPr indent="-381000" lvl="0" marL="457200" rtl="0" algn="l">
+              <a:lnSpc>
+                <a:spcPct val="100000"/>
+              </a:lnSpc>
+              <a:spcBef>
+                <a:spcPts val="0"/>
+              </a:spcBef>
+              <a:spcAft>
+                <a:spcPts val="0"/>
+              </a:spcAft>
+              <a:buSzPts val="2400"/>
+              <a:buChar char="•"/>
+            </a:pPr>
+            <a:r>
+              <a:rPr lang="en-GB" sz="2000">
+                <a:solidFill>
+                  <a:srgbClr val="000000"/>
+                </a:solidFill>
+              </a:rPr>
+              <a:t>hAMRonization github repository: github.com/pha4ge/hAMRonization</a:t>
+            </a:r>
+            <a:endParaRPr sz="2000">
+              <a:solidFill>
+                <a:srgbClr val="000000"/>
+              </a:solidFill>
+            </a:endParaRPr>
+          </a:p>
+          <a:p>
+            <a:pPr indent="-355600" lvl="0" marL="457200" rtl="0" algn="l">
+              <a:lnSpc>
+                <a:spcPct val="100000"/>
+              </a:lnSpc>
+              <a:spcBef>
+                <a:spcPts val="0"/>
+              </a:spcBef>
+              <a:spcAft>
+                <a:spcPts val="0"/>
+              </a:spcAft>
+              <a:buClr>
+                <a:srgbClr val="000000"/>
+              </a:buClr>
+              <a:buSzPts val="2000"/>
+              <a:buChar char="•"/>
+            </a:pPr>
+            <a:r>
+              <a:rPr lang="en-GB" sz="2000">
+                <a:solidFill>
+                  <a:srgbClr val="000000"/>
+                </a:solidFill>
+              </a:rPr>
+              <a:t>S</a:t>
+            </a:r>
+            <a:r>
+              <a:rPr lang="en-GB" sz="2000">
+                <a:solidFill>
+                  <a:srgbClr val="000000"/>
+                </a:solidFill>
+              </a:rPr>
+              <a:t>ubgrant 2-page Summary: `hAMRonization/docs/subgrant`</a:t>
+            </a:r>
+            <a:endParaRPr sz="2000">
+              <a:solidFill>
+                <a:srgbClr val="000000"/>
+              </a:solidFill>
+            </a:endParaRPr>
+          </a:p>
+          <a:p>
+            <a:pPr indent="0" lvl="0" marL="0" rtl="0" algn="l">
+              <a:spcBef>
+                <a:spcPts val="1000"/>
+              </a:spcBef>
+              <a:spcAft>
+                <a:spcPts val="0"/>
+              </a:spcAft>
+              <a:buNone/>
+            </a:pPr>
+            <a:r>
+              <a:t/>
+            </a:r>
+            <a:endParaRPr/>
+          </a:p>
+        </p:txBody>
+      </p:sp>
+      <p:sp>
+        <p:nvSpPr>
+          <p:cNvPr id="140" name="Google Shape;140;gdff1e7e214_0_0"/>
+          <p:cNvSpPr txBox="1"/>
+          <p:nvPr/>
+        </p:nvSpPr>
+        <p:spPr>
+          <a:xfrm>
+            <a:off x="838200" y="6133400"/>
+            <a:ext cx="3833400" cy="400200"/>
+          </a:xfrm>
+          <a:prstGeom prst="rect">
+            <a:avLst/>
+          </a:prstGeom>
+          <a:noFill/>
+          <a:ln>
+            <a:noFill/>
+          </a:ln>
+        </p:spPr>
+        <p:txBody>
+          <a:bodyPr anchorCtr="0" anchor="t" bIns="91425" lIns="91425" spcFirstLastPara="1" rIns="91425" wrap="square" tIns="91425">
+            <a:spAutoFit/>
+          </a:bodyPr>
+          <a:lstStyle/>
+          <a:p>
+            <a:pPr indent="0" lvl="0" marL="0" marR="0" rtl="0" algn="l">
+              <a:lnSpc>
+                <a:spcPct val="100000"/>
+              </a:lnSpc>
+              <a:spcBef>
+                <a:spcPts val="0"/>
+              </a:spcBef>
+              <a:spcAft>
+                <a:spcPts val="0"/>
+              </a:spcAft>
+              <a:buClr>
+                <a:srgbClr val="000000"/>
+              </a:buClr>
+              <a:buSzPts val="1400"/>
+              <a:buFont typeface="Arial"/>
+              <a:buNone/>
+            </a:pPr>
+            <a:r>
+              <a:rPr b="0" i="0" lang="en-GB" sz="1400" u="none" cap="none" strike="noStrike">
+                <a:solidFill>
+                  <a:srgbClr val="000000"/>
+                </a:solidFill>
+                <a:latin typeface="Calibri"/>
+                <a:ea typeface="Calibri"/>
+                <a:cs typeface="Calibri"/>
+                <a:sym typeface="Calibri"/>
+              </a:rPr>
+              <a:t>https://github.com/pha4ge/hAMRonization</a:t>
+            </a:r>
+            <a:endParaRPr b="0" i="0" sz="1400" u="none" cap="none" strike="noStrike">
+              <a:solidFill>
+                <a:srgbClr val="000000"/>
+              </a:solidFill>
+              <a:latin typeface="Calibri"/>
+              <a:ea typeface="Calibri"/>
+              <a:cs typeface="Calibri"/>
+              <a:sym typeface="Calibri"/>
+            </a:endParaRPr>
+          </a:p>
+        </p:txBody>
+      </p:sp>
+      <p:pic>
+        <p:nvPicPr>
+          <p:cNvPr id="141" name="Google Shape;141;gdff1e7e214_0_0"/>
+          <p:cNvPicPr preferRelativeResize="0"/>
+          <p:nvPr/>
+        </p:nvPicPr>
+        <p:blipFill>
+          <a:blip r:embed="rId3">
+            <a:alphaModFix/>
+          </a:blip>
+          <a:stretch>
+            <a:fillRect/>
+          </a:stretch>
+        </p:blipFill>
+        <p:spPr>
+          <a:xfrm>
+            <a:off x="1444975" y="2351913"/>
+            <a:ext cx="9302052" cy="3385288"/>
+          </a:xfrm>
+          <a:prstGeom prst="rect">
+            <a:avLst/>
+          </a:prstGeom>
+          <a:noFill/>
+          <a:ln>
+            <a:noFill/>
+          </a:ln>
+        </p:spPr>
+      </p:pic>
+    </p:spTree>
+  </p:cSld>
+  <p:clrMapOvr>
+    <a:masterClrMapping/>
+  </p:clrMapOvr>
 </p:sld>
 </file>
 
